--- a/marketing/product-pricing/evs.pptx
+++ b/marketing/product-pricing/evs.pptx
@@ -5,24 +5,17 @@
     <p:sldMasterId id="2147483648" r:id="rId1"/>
   </p:sldMasterIdLst>
   <p:notesMasterIdLst>
-    <p:notesMasterId r:id="rId6"/>
+    <p:notesMasterId r:id="rId7"/>
   </p:notesMasterIdLst>
+  <p:handoutMasterIdLst>
+    <p:handoutMasterId r:id="rId8"/>
+  </p:handoutMasterIdLst>
   <p:sldIdLst>
     <p:sldId id="256" r:id="rId2"/>
     <p:sldId id="257" r:id="rId3"/>
     <p:sldId id="271" r:id="rId4"/>
-    <p:sldId id="272" r:id="rId5"/>
-    <p:sldId id="273" r:id="rId11"/>
-    <p:sldId id="274" r:id="rId12"/>
-    <p:sldId id="275" r:id="rId13"/>
-    <p:sldId id="276" r:id="rId14"/>
-    <p:sldId id="277" r:id="rId15"/>
-    <p:sldId id="278" r:id="rId16"/>
-    <p:sldId id="279" r:id="rId17"/>
-    <p:sldId id="280" r:id="rId18"/>
-    <p:sldId id="281" r:id="rId19"/>
-    <p:sldId id="282" r:id="rId20"/>
-    <p:sldId id="283" r:id="rId21"/>
+    <p:sldId id="284" r:id="rId5"/>
+    <p:sldId id="285" r:id="rId6"/>
   </p:sldIdLst>
   <p:sldSz cx="12192000" cy="6858000"/>
   <p:notesSz cx="12192000" cy="6858000"/>
@@ -136,8 +129,216 @@
         </p15:guide>
       </p15:sldGuideLst>
     </p:ext>
+    <p:ext uri="{2D200454-40CA-4A62-9FC3-DE9A4176ACB9}">
+      <p15:notesGuideLst xmlns:p15="http://schemas.microsoft.com/office/powerpoint/2012/main"/>
+    </p:ext>
   </p:extLst>
 </p:presentation>
+</file>
+
+<file path=ppt/handoutMasters/handoutMaster1.xml><?xml version="1.0" encoding="utf-8"?>
+<p:handoutMaster xmlns:a="http://schemas.openxmlformats.org/drawingml/2006/main" xmlns:r="http://schemas.openxmlformats.org/officeDocument/2006/relationships" xmlns:p="http://schemas.openxmlformats.org/presentationml/2006/main">
+  <p:cSld>
+    <p:bg>
+      <p:bgRef idx="1001">
+        <a:schemeClr val="bg1"/>
+      </p:bgRef>
+    </p:bg>
+    <p:spTree>
+      <p:nvGrpSpPr>
+        <p:cNvPr id="1" name=""/>
+        <p:cNvGrpSpPr/>
+        <p:nvPr/>
+      </p:nvGrpSpPr>
+      <p:grpSpPr>
+        <a:xfrm>
+          <a:off x="0" y="0"/>
+          <a:ext cx="0" cy="0"/>
+          <a:chOff x="0" y="0"/>
+          <a:chExt cx="0" cy="0"/>
+        </a:xfrm>
+      </p:grpSpPr>
+      <p:sp>
+        <p:nvSpPr>
+          <p:cNvPr id="2" name="Zástupný objekt pre hlavičku 1">
+            <a:extLst>
+              <a:ext uri="{FF2B5EF4-FFF2-40B4-BE49-F238E27FC236}">
+                <a16:creationId xmlns:a16="http://schemas.microsoft.com/office/drawing/2014/main" id="{578438E6-6D06-0256-874D-6A5444455036}"/>
+              </a:ext>
+            </a:extLst>
+          </p:cNvPr>
+          <p:cNvSpPr>
+            <a:spLocks noGrp="1"/>
+          </p:cNvSpPr>
+          <p:nvPr>
+            <p:ph type="hdr" sz="quarter"/>
+          </p:nvPr>
+        </p:nvSpPr>
+        <p:spPr>
+          <a:xfrm>
+            <a:off x="0" y="0"/>
+            <a:ext cx="5283200" cy="344488"/>
+          </a:xfrm>
+          <a:prstGeom prst="rect">
+            <a:avLst/>
+          </a:prstGeom>
+        </p:spPr>
+        <p:txBody>
+          <a:bodyPr vert="horz" lIns="91440" tIns="45720" rIns="91440" bIns="45720" rtlCol="0"/>
+          <a:lstStyle>
+            <a:lvl1pPr algn="l">
+              <a:defRPr sz="1200"/>
+            </a:lvl1pPr>
+          </a:lstStyle>
+          <a:p>
+            <a:endParaRPr lang="en-US"/>
+          </a:p>
+        </p:txBody>
+      </p:sp>
+      <p:sp>
+        <p:nvSpPr>
+          <p:cNvPr id="3" name="Zástupný objekt pre dátum 2">
+            <a:extLst>
+              <a:ext uri="{FF2B5EF4-FFF2-40B4-BE49-F238E27FC236}">
+                <a16:creationId xmlns:a16="http://schemas.microsoft.com/office/drawing/2014/main" id="{3A449558-17A8-8C33-34CA-DDC27E0FC3DD}"/>
+              </a:ext>
+            </a:extLst>
+          </p:cNvPr>
+          <p:cNvSpPr>
+            <a:spLocks noGrp="1"/>
+          </p:cNvSpPr>
+          <p:nvPr>
+            <p:ph type="dt" sz="quarter" idx="1"/>
+          </p:nvPr>
+        </p:nvSpPr>
+        <p:spPr>
+          <a:xfrm>
+            <a:off x="6905625" y="0"/>
+            <a:ext cx="5283200" cy="344488"/>
+          </a:xfrm>
+          <a:prstGeom prst="rect">
+            <a:avLst/>
+          </a:prstGeom>
+        </p:spPr>
+        <p:txBody>
+          <a:bodyPr vert="horz" lIns="91440" tIns="45720" rIns="91440" bIns="45720" rtlCol="0"/>
+          <a:lstStyle>
+            <a:lvl1pPr algn="r">
+              <a:defRPr sz="1200"/>
+            </a:lvl1pPr>
+          </a:lstStyle>
+          <a:p>
+            <a:fld id="{C8BCA261-4498-41B5-89EC-6175D542F45A}" type="datetimeFigureOut">
+              <a:rPr lang="en-US" smtClean="0"/>
+              <a:t>12/3/2022</a:t>
+            </a:fld>
+            <a:endParaRPr lang="en-US"/>
+          </a:p>
+        </p:txBody>
+      </p:sp>
+      <p:sp>
+        <p:nvSpPr>
+          <p:cNvPr id="4" name="Zástupný objekt pre pätu 3">
+            <a:extLst>
+              <a:ext uri="{FF2B5EF4-FFF2-40B4-BE49-F238E27FC236}">
+                <a16:creationId xmlns:a16="http://schemas.microsoft.com/office/drawing/2014/main" id="{5AA992D2-AEC9-A944-4972-3884125DA5D6}"/>
+              </a:ext>
+            </a:extLst>
+          </p:cNvPr>
+          <p:cNvSpPr>
+            <a:spLocks noGrp="1"/>
+          </p:cNvSpPr>
+          <p:nvPr>
+            <p:ph type="ftr" sz="quarter" idx="2"/>
+          </p:nvPr>
+        </p:nvSpPr>
+        <p:spPr>
+          <a:xfrm>
+            <a:off x="0" y="6513513"/>
+            <a:ext cx="5283200" cy="344487"/>
+          </a:xfrm>
+          <a:prstGeom prst="rect">
+            <a:avLst/>
+          </a:prstGeom>
+        </p:spPr>
+        <p:txBody>
+          <a:bodyPr vert="horz" lIns="91440" tIns="45720" rIns="91440" bIns="45720" rtlCol="0" anchor="b"/>
+          <a:lstStyle>
+            <a:lvl1pPr algn="l">
+              <a:defRPr sz="1200"/>
+            </a:lvl1pPr>
+          </a:lstStyle>
+          <a:p>
+            <a:endParaRPr lang="en-US"/>
+          </a:p>
+        </p:txBody>
+      </p:sp>
+      <p:sp>
+        <p:nvSpPr>
+          <p:cNvPr id="5" name="Zástupný objekt pre číslo snímky 4">
+            <a:extLst>
+              <a:ext uri="{FF2B5EF4-FFF2-40B4-BE49-F238E27FC236}">
+                <a16:creationId xmlns:a16="http://schemas.microsoft.com/office/drawing/2014/main" id="{FA9352B8-588D-8228-B040-F8A6F511CD24}"/>
+              </a:ext>
+            </a:extLst>
+          </p:cNvPr>
+          <p:cNvSpPr>
+            <a:spLocks noGrp="1"/>
+          </p:cNvSpPr>
+          <p:nvPr>
+            <p:ph type="sldNum" sz="quarter" idx="3"/>
+          </p:nvPr>
+        </p:nvSpPr>
+        <p:spPr>
+          <a:xfrm>
+            <a:off x="6905625" y="6513513"/>
+            <a:ext cx="5283200" cy="344487"/>
+          </a:xfrm>
+          <a:prstGeom prst="rect">
+            <a:avLst/>
+          </a:prstGeom>
+        </p:spPr>
+        <p:txBody>
+          <a:bodyPr vert="horz" lIns="91440" tIns="45720" rIns="91440" bIns="45720" rtlCol="0" anchor="b"/>
+          <a:lstStyle>
+            <a:lvl1pPr algn="r">
+              <a:defRPr sz="1200"/>
+            </a:lvl1pPr>
+          </a:lstStyle>
+          <a:p>
+            <a:fld id="{99E9DD62-14D4-4D2B-BA6C-FD6D9CBCD0A3}" type="slidenum">
+              <a:rPr lang="en-US" smtClean="0"/>
+              <a:t>‹#›</a:t>
+            </a:fld>
+            <a:endParaRPr lang="en-US"/>
+          </a:p>
+        </p:txBody>
+      </p:sp>
+    </p:spTree>
+    <p:extLst>
+      <p:ext uri="{BB962C8B-B14F-4D97-AF65-F5344CB8AC3E}">
+        <p14:creationId xmlns:p14="http://schemas.microsoft.com/office/powerpoint/2010/main" val="1686737234"/>
+      </p:ext>
+    </p:extLst>
+  </p:cSld>
+  <p:clrMap bg1="lt1" tx1="dk1" bg2="lt2" tx2="dk2" accent1="accent1" accent2="accent2" accent3="accent3" accent4="accent4" accent5="accent5" accent6="accent6" hlink="hlink" folHlink="folHlink"/>
+  <p:extLst>
+    <p:ext uri="{56416CCD-93CA-4268-BC5B-53C4BB910035}">
+      <p15:sldGuideLst xmlns:p15="http://schemas.microsoft.com/office/powerpoint/2012/main">
+        <p15:guide id="1" orient="horz" pos="2160" userDrawn="1">
+          <p15:clr>
+            <a:srgbClr val="F26B43"/>
+          </p15:clr>
+        </p15:guide>
+        <p15:guide id="2" pos="3840" userDrawn="1">
+          <p15:clr>
+            <a:srgbClr val="F26B43"/>
+          </p15:clr>
+        </p15:guide>
+      </p15:sldGuideLst>
+    </p:ext>
+  </p:extLst>
+</p:handoutMaster>
 </file>
 
 <file path=ppt/notesMasters/notesMaster1.xml><?xml version="1.0" encoding="utf-8"?>
@@ -1497,7 +1698,7 @@
       </p:grpSpPr>
       <p:sp>
         <p:nvSpPr>
-          <p:cNvPr id="2" name="Holder 2"/>
+          <p:cNvPr id="2" name="Title"/>
           <p:cNvSpPr>
             <a:spLocks noGrp="1"/>
           </p:cNvSpPr>
@@ -1557,7 +1758,7 @@
             </a:lvl1pPr>
           </a:lstStyle>
           <a:p>
-            <a:endParaRPr/>
+            <a:endParaRPr dirty="0"/>
           </a:p>
         </p:txBody>
       </p:sp>
@@ -1662,6 +1863,1059 @@
         </p:txBody>
       </p:sp>
     </p:spTree>
+  </p:cSld>
+  <p:clrMapOvr>
+    <a:masterClrMapping/>
+  </p:clrMapOvr>
+</p:sldLayout>
+</file>
+
+<file path=ppt/slideLayouts/slideLayout10.xml><?xml version="1.0" encoding="utf-8"?>
+<p:sldLayout xmlns:a="http://schemas.openxmlformats.org/drawingml/2006/main" xmlns:r="http://schemas.openxmlformats.org/officeDocument/2006/relationships" xmlns:p="http://schemas.openxmlformats.org/presentationml/2006/main" type="blank" preserve="1">
+  <p:cSld name="Blank">
+    <p:spTree>
+      <p:nvGrpSpPr>
+        <p:cNvPr id="1" name=""/>
+        <p:cNvGrpSpPr/>
+        <p:nvPr/>
+      </p:nvGrpSpPr>
+      <p:grpSpPr>
+        <a:xfrm>
+          <a:off x="0" y="0"/>
+          <a:ext cx="0" cy="0"/>
+          <a:chOff x="0" y="0"/>
+          <a:chExt cx="0" cy="0"/>
+        </a:xfrm>
+      </p:grpSpPr>
+      <p:sp>
+        <p:nvSpPr>
+          <p:cNvPr id="2" name="Date Placeholder 1"/>
+          <p:cNvSpPr>
+            <a:spLocks noGrp="1"/>
+          </p:cNvSpPr>
+          <p:nvPr>
+            <p:ph type="dt" sz="half" idx="10"/>
+          </p:nvPr>
+        </p:nvSpPr>
+        <p:spPr>
+          <a:xfrm>
+            <a:off x="609600" y="6377940"/>
+            <a:ext cx="2804160" cy="276999"/>
+          </a:xfrm>
+        </p:spPr>
+        <p:txBody>
+          <a:bodyPr/>
+          <a:lstStyle/>
+          <a:p>
+            <a:fld id="{241EB5C9-1307-BA42-ABA2-0BC069CD8E7F}" type="datetimeFigureOut">
+              <a:rPr lang="en-US" smtClean="0"/>
+              <a:t>12/3/2022</a:t>
+            </a:fld>
+            <a:endParaRPr lang="en-US"/>
+          </a:p>
+        </p:txBody>
+      </p:sp>
+      <p:sp>
+        <p:nvSpPr>
+          <p:cNvPr id="3" name="Footer Placeholder 2"/>
+          <p:cNvSpPr>
+            <a:spLocks noGrp="1"/>
+          </p:cNvSpPr>
+          <p:nvPr>
+            <p:ph type="ftr" sz="quarter" idx="11"/>
+          </p:nvPr>
+        </p:nvSpPr>
+        <p:spPr>
+          <a:xfrm>
+            <a:off x="4145280" y="6377940"/>
+            <a:ext cx="3901439" cy="276999"/>
+          </a:xfrm>
+        </p:spPr>
+        <p:txBody>
+          <a:bodyPr/>
+          <a:lstStyle/>
+          <a:p>
+            <a:endParaRPr lang="en-US"/>
+          </a:p>
+        </p:txBody>
+      </p:sp>
+      <p:sp>
+        <p:nvSpPr>
+          <p:cNvPr id="4" name="Slide Number Placeholder 3"/>
+          <p:cNvSpPr>
+            <a:spLocks noGrp="1"/>
+          </p:cNvSpPr>
+          <p:nvPr>
+            <p:ph type="sldNum" sz="quarter" idx="12"/>
+          </p:nvPr>
+        </p:nvSpPr>
+        <p:spPr>
+          <a:xfrm>
+            <a:off x="280013" y="6403285"/>
+            <a:ext cx="233045" cy="184666"/>
+          </a:xfrm>
+        </p:spPr>
+        <p:txBody>
+          <a:bodyPr/>
+          <a:lstStyle/>
+          <a:p>
+            <a:fld id="{C5EF2332-01BF-834F-8236-50238282D533}" type="slidenum">
+              <a:rPr lang="en-US" smtClean="0"/>
+              <a:t>‹#›</a:t>
+            </a:fld>
+            <a:endParaRPr lang="en-US"/>
+          </a:p>
+        </p:txBody>
+      </p:sp>
+    </p:spTree>
+    <p:extLst>
+      <p:ext uri="{BB962C8B-B14F-4D97-AF65-F5344CB8AC3E}">
+        <p14:creationId xmlns:p14="http://schemas.microsoft.com/office/powerpoint/2010/main" val="4051965798"/>
+      </p:ext>
+    </p:extLst>
+  </p:cSld>
+  <p:clrMapOvr>
+    <a:masterClrMapping/>
+  </p:clrMapOvr>
+</p:sldLayout>
+</file>
+
+<file path=ppt/slideLayouts/slideLayout11.xml><?xml version="1.0" encoding="utf-8"?>
+<p:sldLayout xmlns:a="http://schemas.openxmlformats.org/drawingml/2006/main" xmlns:r="http://schemas.openxmlformats.org/officeDocument/2006/relationships" xmlns:p="http://schemas.openxmlformats.org/presentationml/2006/main" type="objTx" preserve="1">
+  <p:cSld name="Content with Caption">
+    <p:spTree>
+      <p:nvGrpSpPr>
+        <p:cNvPr id="1" name=""/>
+        <p:cNvGrpSpPr/>
+        <p:nvPr/>
+      </p:nvGrpSpPr>
+      <p:grpSpPr>
+        <a:xfrm>
+          <a:off x="0" y="0"/>
+          <a:ext cx="0" cy="0"/>
+          <a:chOff x="0" y="0"/>
+          <a:chExt cx="0" cy="0"/>
+        </a:xfrm>
+      </p:grpSpPr>
+      <p:sp>
+        <p:nvSpPr>
+          <p:cNvPr id="2" name="Title 1"/>
+          <p:cNvSpPr>
+            <a:spLocks noGrp="1"/>
+          </p:cNvSpPr>
+          <p:nvPr>
+            <p:ph type="title"/>
+          </p:nvPr>
+        </p:nvSpPr>
+        <p:spPr>
+          <a:xfrm>
+            <a:off x="609602" y="1127323"/>
+            <a:ext cx="4011084" cy="307777"/>
+          </a:xfrm>
+        </p:spPr>
+        <p:txBody>
+          <a:bodyPr anchor="b"/>
+          <a:lstStyle>
+            <a:lvl1pPr algn="l">
+              <a:defRPr sz="2000" b="1"/>
+            </a:lvl1pPr>
+          </a:lstStyle>
+          <a:p>
+            <a:r>
+              <a:rPr lang="en-US"/>
+              <a:t>Click to edit Master title style</a:t>
+            </a:r>
+          </a:p>
+        </p:txBody>
+      </p:sp>
+      <p:sp>
+        <p:nvSpPr>
+          <p:cNvPr id="3" name="Content Placeholder 2"/>
+          <p:cNvSpPr>
+            <a:spLocks noGrp="1"/>
+          </p:cNvSpPr>
+          <p:nvPr>
+            <p:ph idx="1"/>
+          </p:nvPr>
+        </p:nvSpPr>
+        <p:spPr>
+          <a:xfrm>
+            <a:off x="4766733" y="273052"/>
+            <a:ext cx="6815667" cy="1908215"/>
+          </a:xfrm>
+        </p:spPr>
+        <p:txBody>
+          <a:bodyPr/>
+          <a:lstStyle>
+            <a:lvl1pPr>
+              <a:defRPr sz="3200"/>
+            </a:lvl1pPr>
+            <a:lvl2pPr>
+              <a:defRPr sz="2800"/>
+            </a:lvl2pPr>
+            <a:lvl3pPr>
+              <a:defRPr sz="2400"/>
+            </a:lvl3pPr>
+            <a:lvl4pPr>
+              <a:defRPr sz="2000"/>
+            </a:lvl4pPr>
+            <a:lvl5pPr>
+              <a:defRPr sz="2000"/>
+            </a:lvl5pPr>
+            <a:lvl6pPr>
+              <a:defRPr sz="2000"/>
+            </a:lvl6pPr>
+            <a:lvl7pPr>
+              <a:defRPr sz="2000"/>
+            </a:lvl7pPr>
+            <a:lvl8pPr>
+              <a:defRPr sz="2000"/>
+            </a:lvl8pPr>
+            <a:lvl9pPr>
+              <a:defRPr sz="2000"/>
+            </a:lvl9pPr>
+          </a:lstStyle>
+          <a:p>
+            <a:pPr lvl="0"/>
+            <a:r>
+              <a:rPr lang="en-US"/>
+              <a:t>Click to edit Master text styles</a:t>
+            </a:r>
+          </a:p>
+          <a:p>
+            <a:pPr lvl="1"/>
+            <a:r>
+              <a:rPr lang="en-US"/>
+              <a:t>Second level</a:t>
+            </a:r>
+          </a:p>
+          <a:p>
+            <a:pPr lvl="2"/>
+            <a:r>
+              <a:rPr lang="en-US"/>
+              <a:t>Third level</a:t>
+            </a:r>
+          </a:p>
+          <a:p>
+            <a:pPr lvl="3"/>
+            <a:r>
+              <a:rPr lang="en-US"/>
+              <a:t>Fourth level</a:t>
+            </a:r>
+          </a:p>
+          <a:p>
+            <a:pPr lvl="4"/>
+            <a:r>
+              <a:rPr lang="en-US"/>
+              <a:t>Fifth level</a:t>
+            </a:r>
+          </a:p>
+        </p:txBody>
+      </p:sp>
+      <p:sp>
+        <p:nvSpPr>
+          <p:cNvPr id="4" name="Text Placeholder 3"/>
+          <p:cNvSpPr>
+            <a:spLocks noGrp="1"/>
+          </p:cNvSpPr>
+          <p:nvPr>
+            <p:ph type="body" sz="half" idx="2"/>
+          </p:nvPr>
+        </p:nvSpPr>
+        <p:spPr>
+          <a:xfrm>
+            <a:off x="609602" y="1435102"/>
+            <a:ext cx="4011084" cy="215444"/>
+          </a:xfrm>
+        </p:spPr>
+        <p:txBody>
+          <a:bodyPr/>
+          <a:lstStyle>
+            <a:lvl1pPr marL="0" indent="0">
+              <a:buNone/>
+              <a:defRPr sz="1400"/>
+            </a:lvl1pPr>
+            <a:lvl2pPr marL="457189" indent="0">
+              <a:buNone/>
+              <a:defRPr sz="1200"/>
+            </a:lvl2pPr>
+            <a:lvl3pPr marL="914377" indent="0">
+              <a:buNone/>
+              <a:defRPr sz="1000"/>
+            </a:lvl3pPr>
+            <a:lvl4pPr marL="1371566" indent="0">
+              <a:buNone/>
+              <a:defRPr sz="900"/>
+            </a:lvl4pPr>
+            <a:lvl5pPr marL="1828754" indent="0">
+              <a:buNone/>
+              <a:defRPr sz="900"/>
+            </a:lvl5pPr>
+            <a:lvl6pPr marL="2285943" indent="0">
+              <a:buNone/>
+              <a:defRPr sz="900"/>
+            </a:lvl6pPr>
+            <a:lvl7pPr marL="2743131" indent="0">
+              <a:buNone/>
+              <a:defRPr sz="900"/>
+            </a:lvl7pPr>
+            <a:lvl8pPr marL="3200320" indent="0">
+              <a:buNone/>
+              <a:defRPr sz="900"/>
+            </a:lvl8pPr>
+            <a:lvl9pPr marL="3657509" indent="0">
+              <a:buNone/>
+              <a:defRPr sz="900"/>
+            </a:lvl9pPr>
+          </a:lstStyle>
+          <a:p>
+            <a:pPr lvl="0"/>
+            <a:r>
+              <a:rPr lang="en-US"/>
+              <a:t>Click to edit Master text styles</a:t>
+            </a:r>
+          </a:p>
+        </p:txBody>
+      </p:sp>
+      <p:sp>
+        <p:nvSpPr>
+          <p:cNvPr id="5" name="Date Placeholder 4"/>
+          <p:cNvSpPr>
+            <a:spLocks noGrp="1"/>
+          </p:cNvSpPr>
+          <p:nvPr>
+            <p:ph type="dt" sz="half" idx="10"/>
+          </p:nvPr>
+        </p:nvSpPr>
+        <p:spPr>
+          <a:xfrm>
+            <a:off x="609600" y="6377940"/>
+            <a:ext cx="2804160" cy="276999"/>
+          </a:xfrm>
+        </p:spPr>
+        <p:txBody>
+          <a:bodyPr/>
+          <a:lstStyle/>
+          <a:p>
+            <a:fld id="{241EB5C9-1307-BA42-ABA2-0BC069CD8E7F}" type="datetimeFigureOut">
+              <a:rPr lang="en-US" smtClean="0"/>
+              <a:t>12/3/2022</a:t>
+            </a:fld>
+            <a:endParaRPr lang="en-US"/>
+          </a:p>
+        </p:txBody>
+      </p:sp>
+      <p:sp>
+        <p:nvSpPr>
+          <p:cNvPr id="6" name="Footer Placeholder 5"/>
+          <p:cNvSpPr>
+            <a:spLocks noGrp="1"/>
+          </p:cNvSpPr>
+          <p:nvPr>
+            <p:ph type="ftr" sz="quarter" idx="11"/>
+          </p:nvPr>
+        </p:nvSpPr>
+        <p:spPr>
+          <a:xfrm>
+            <a:off x="4145280" y="6377940"/>
+            <a:ext cx="3901439" cy="276999"/>
+          </a:xfrm>
+        </p:spPr>
+        <p:txBody>
+          <a:bodyPr/>
+          <a:lstStyle/>
+          <a:p>
+            <a:endParaRPr lang="en-US"/>
+          </a:p>
+        </p:txBody>
+      </p:sp>
+      <p:sp>
+        <p:nvSpPr>
+          <p:cNvPr id="7" name="Slide Number Placeholder 6"/>
+          <p:cNvSpPr>
+            <a:spLocks noGrp="1"/>
+          </p:cNvSpPr>
+          <p:nvPr>
+            <p:ph type="sldNum" sz="quarter" idx="12"/>
+          </p:nvPr>
+        </p:nvSpPr>
+        <p:spPr>
+          <a:xfrm>
+            <a:off x="280013" y="6403285"/>
+            <a:ext cx="233045" cy="184666"/>
+          </a:xfrm>
+        </p:spPr>
+        <p:txBody>
+          <a:bodyPr/>
+          <a:lstStyle/>
+          <a:p>
+            <a:fld id="{C5EF2332-01BF-834F-8236-50238282D533}" type="slidenum">
+              <a:rPr lang="en-US" smtClean="0"/>
+              <a:t>‹#›</a:t>
+            </a:fld>
+            <a:endParaRPr lang="en-US"/>
+          </a:p>
+        </p:txBody>
+      </p:sp>
+    </p:spTree>
+    <p:extLst>
+      <p:ext uri="{BB962C8B-B14F-4D97-AF65-F5344CB8AC3E}">
+        <p14:creationId xmlns:p14="http://schemas.microsoft.com/office/powerpoint/2010/main" val="3929498618"/>
+      </p:ext>
+    </p:extLst>
+  </p:cSld>
+  <p:clrMapOvr>
+    <a:masterClrMapping/>
+  </p:clrMapOvr>
+</p:sldLayout>
+</file>
+
+<file path=ppt/slideLayouts/slideLayout12.xml><?xml version="1.0" encoding="utf-8"?>
+<p:sldLayout xmlns:a="http://schemas.openxmlformats.org/drawingml/2006/main" xmlns:r="http://schemas.openxmlformats.org/officeDocument/2006/relationships" xmlns:p="http://schemas.openxmlformats.org/presentationml/2006/main" type="picTx" preserve="1">
+  <p:cSld name="Picture with Caption">
+    <p:spTree>
+      <p:nvGrpSpPr>
+        <p:cNvPr id="1" name=""/>
+        <p:cNvGrpSpPr/>
+        <p:nvPr/>
+      </p:nvGrpSpPr>
+      <p:grpSpPr>
+        <a:xfrm>
+          <a:off x="0" y="0"/>
+          <a:ext cx="0" cy="0"/>
+          <a:chOff x="0" y="0"/>
+          <a:chExt cx="0" cy="0"/>
+        </a:xfrm>
+      </p:grpSpPr>
+      <p:sp>
+        <p:nvSpPr>
+          <p:cNvPr id="2" name="Title 1"/>
+          <p:cNvSpPr>
+            <a:spLocks noGrp="1"/>
+          </p:cNvSpPr>
+          <p:nvPr>
+            <p:ph type="title"/>
+          </p:nvPr>
+        </p:nvSpPr>
+        <p:spPr>
+          <a:xfrm>
+            <a:off x="2389717" y="5059562"/>
+            <a:ext cx="7315200" cy="307777"/>
+          </a:xfrm>
+        </p:spPr>
+        <p:txBody>
+          <a:bodyPr anchor="b"/>
+          <a:lstStyle>
+            <a:lvl1pPr algn="l">
+              <a:defRPr sz="2000" b="1"/>
+            </a:lvl1pPr>
+          </a:lstStyle>
+          <a:p>
+            <a:r>
+              <a:rPr lang="en-US"/>
+              <a:t>Click to edit Master title style</a:t>
+            </a:r>
+          </a:p>
+        </p:txBody>
+      </p:sp>
+      <p:sp>
+        <p:nvSpPr>
+          <p:cNvPr id="3" name="Picture Placeholder 2"/>
+          <p:cNvSpPr>
+            <a:spLocks noGrp="1"/>
+          </p:cNvSpPr>
+          <p:nvPr>
+            <p:ph type="pic" idx="1"/>
+          </p:nvPr>
+        </p:nvSpPr>
+        <p:spPr>
+          <a:xfrm>
+            <a:off x="2389717" y="612775"/>
+            <a:ext cx="7315200" cy="492443"/>
+          </a:xfrm>
+        </p:spPr>
+        <p:txBody>
+          <a:bodyPr/>
+          <a:lstStyle>
+            <a:lvl1pPr marL="0" indent="0">
+              <a:buNone/>
+              <a:defRPr sz="3200"/>
+            </a:lvl1pPr>
+            <a:lvl2pPr marL="457189" indent="0">
+              <a:buNone/>
+              <a:defRPr sz="2800"/>
+            </a:lvl2pPr>
+            <a:lvl3pPr marL="914377" indent="0">
+              <a:buNone/>
+              <a:defRPr sz="2400"/>
+            </a:lvl3pPr>
+            <a:lvl4pPr marL="1371566" indent="0">
+              <a:buNone/>
+              <a:defRPr sz="2000"/>
+            </a:lvl4pPr>
+            <a:lvl5pPr marL="1828754" indent="0">
+              <a:buNone/>
+              <a:defRPr sz="2000"/>
+            </a:lvl5pPr>
+            <a:lvl6pPr marL="2285943" indent="0">
+              <a:buNone/>
+              <a:defRPr sz="2000"/>
+            </a:lvl6pPr>
+            <a:lvl7pPr marL="2743131" indent="0">
+              <a:buNone/>
+              <a:defRPr sz="2000"/>
+            </a:lvl7pPr>
+            <a:lvl8pPr marL="3200320" indent="0">
+              <a:buNone/>
+              <a:defRPr sz="2000"/>
+            </a:lvl8pPr>
+            <a:lvl9pPr marL="3657509" indent="0">
+              <a:buNone/>
+              <a:defRPr sz="2000"/>
+            </a:lvl9pPr>
+          </a:lstStyle>
+          <a:p>
+            <a:endParaRPr lang="en-US"/>
+          </a:p>
+        </p:txBody>
+      </p:sp>
+      <p:sp>
+        <p:nvSpPr>
+          <p:cNvPr id="4" name="Text Placeholder 3"/>
+          <p:cNvSpPr>
+            <a:spLocks noGrp="1"/>
+          </p:cNvSpPr>
+          <p:nvPr>
+            <p:ph type="body" sz="half" idx="2"/>
+          </p:nvPr>
+        </p:nvSpPr>
+        <p:spPr>
+          <a:xfrm>
+            <a:off x="2389717" y="5367338"/>
+            <a:ext cx="7315200" cy="215444"/>
+          </a:xfrm>
+        </p:spPr>
+        <p:txBody>
+          <a:bodyPr/>
+          <a:lstStyle>
+            <a:lvl1pPr marL="0" indent="0">
+              <a:buNone/>
+              <a:defRPr sz="1400"/>
+            </a:lvl1pPr>
+            <a:lvl2pPr marL="457189" indent="0">
+              <a:buNone/>
+              <a:defRPr sz="1200"/>
+            </a:lvl2pPr>
+            <a:lvl3pPr marL="914377" indent="0">
+              <a:buNone/>
+              <a:defRPr sz="1000"/>
+            </a:lvl3pPr>
+            <a:lvl4pPr marL="1371566" indent="0">
+              <a:buNone/>
+              <a:defRPr sz="900"/>
+            </a:lvl4pPr>
+            <a:lvl5pPr marL="1828754" indent="0">
+              <a:buNone/>
+              <a:defRPr sz="900"/>
+            </a:lvl5pPr>
+            <a:lvl6pPr marL="2285943" indent="0">
+              <a:buNone/>
+              <a:defRPr sz="900"/>
+            </a:lvl6pPr>
+            <a:lvl7pPr marL="2743131" indent="0">
+              <a:buNone/>
+              <a:defRPr sz="900"/>
+            </a:lvl7pPr>
+            <a:lvl8pPr marL="3200320" indent="0">
+              <a:buNone/>
+              <a:defRPr sz="900"/>
+            </a:lvl8pPr>
+            <a:lvl9pPr marL="3657509" indent="0">
+              <a:buNone/>
+              <a:defRPr sz="900"/>
+            </a:lvl9pPr>
+          </a:lstStyle>
+          <a:p>
+            <a:pPr lvl="0"/>
+            <a:r>
+              <a:rPr lang="en-US"/>
+              <a:t>Click to edit Master text styles</a:t>
+            </a:r>
+          </a:p>
+        </p:txBody>
+      </p:sp>
+      <p:sp>
+        <p:nvSpPr>
+          <p:cNvPr id="5" name="Date Placeholder 4"/>
+          <p:cNvSpPr>
+            <a:spLocks noGrp="1"/>
+          </p:cNvSpPr>
+          <p:nvPr>
+            <p:ph type="dt" sz="half" idx="10"/>
+          </p:nvPr>
+        </p:nvSpPr>
+        <p:spPr>
+          <a:xfrm>
+            <a:off x="609600" y="6377940"/>
+            <a:ext cx="2804160" cy="276999"/>
+          </a:xfrm>
+        </p:spPr>
+        <p:txBody>
+          <a:bodyPr/>
+          <a:lstStyle/>
+          <a:p>
+            <a:fld id="{241EB5C9-1307-BA42-ABA2-0BC069CD8E7F}" type="datetimeFigureOut">
+              <a:rPr lang="en-US" smtClean="0"/>
+              <a:t>12/3/2022</a:t>
+            </a:fld>
+            <a:endParaRPr lang="en-US"/>
+          </a:p>
+        </p:txBody>
+      </p:sp>
+      <p:sp>
+        <p:nvSpPr>
+          <p:cNvPr id="6" name="Footer Placeholder 5"/>
+          <p:cNvSpPr>
+            <a:spLocks noGrp="1"/>
+          </p:cNvSpPr>
+          <p:nvPr>
+            <p:ph type="ftr" sz="quarter" idx="11"/>
+          </p:nvPr>
+        </p:nvSpPr>
+        <p:spPr>
+          <a:xfrm>
+            <a:off x="4145280" y="6377940"/>
+            <a:ext cx="3901439" cy="276999"/>
+          </a:xfrm>
+        </p:spPr>
+        <p:txBody>
+          <a:bodyPr/>
+          <a:lstStyle/>
+          <a:p>
+            <a:endParaRPr lang="en-US"/>
+          </a:p>
+        </p:txBody>
+      </p:sp>
+      <p:sp>
+        <p:nvSpPr>
+          <p:cNvPr id="7" name="Slide Number Placeholder 6"/>
+          <p:cNvSpPr>
+            <a:spLocks noGrp="1"/>
+          </p:cNvSpPr>
+          <p:nvPr>
+            <p:ph type="sldNum" sz="quarter" idx="12"/>
+          </p:nvPr>
+        </p:nvSpPr>
+        <p:spPr>
+          <a:xfrm>
+            <a:off x="280013" y="6403285"/>
+            <a:ext cx="233045" cy="184666"/>
+          </a:xfrm>
+        </p:spPr>
+        <p:txBody>
+          <a:bodyPr/>
+          <a:lstStyle/>
+          <a:p>
+            <a:fld id="{C5EF2332-01BF-834F-8236-50238282D533}" type="slidenum">
+              <a:rPr lang="en-US" smtClean="0"/>
+              <a:t>‹#›</a:t>
+            </a:fld>
+            <a:endParaRPr lang="en-US"/>
+          </a:p>
+        </p:txBody>
+      </p:sp>
+    </p:spTree>
+    <p:extLst>
+      <p:ext uri="{BB962C8B-B14F-4D97-AF65-F5344CB8AC3E}">
+        <p14:creationId xmlns:p14="http://schemas.microsoft.com/office/powerpoint/2010/main" val="3530394811"/>
+      </p:ext>
+    </p:extLst>
+  </p:cSld>
+  <p:clrMapOvr>
+    <a:masterClrMapping/>
+  </p:clrMapOvr>
+</p:sldLayout>
+</file>
+
+<file path=ppt/slideLayouts/slideLayout13.xml><?xml version="1.0" encoding="utf-8"?>
+<p:sldLayout xmlns:a="http://schemas.openxmlformats.org/drawingml/2006/main" xmlns:r="http://schemas.openxmlformats.org/officeDocument/2006/relationships" xmlns:p="http://schemas.openxmlformats.org/presentationml/2006/main" type="vertTx" preserve="1">
+  <p:cSld name="Title and Vertical Text">
+    <p:spTree>
+      <p:nvGrpSpPr>
+        <p:cNvPr id="1" name=""/>
+        <p:cNvGrpSpPr/>
+        <p:nvPr/>
+      </p:nvGrpSpPr>
+      <p:grpSpPr>
+        <a:xfrm>
+          <a:off x="0" y="0"/>
+          <a:ext cx="0" cy="0"/>
+          <a:chOff x="0" y="0"/>
+          <a:chExt cx="0" cy="0"/>
+        </a:xfrm>
+      </p:grpSpPr>
+      <p:sp>
+        <p:nvSpPr>
+          <p:cNvPr id="2" name="Title 1"/>
+          <p:cNvSpPr>
+            <a:spLocks noGrp="1"/>
+          </p:cNvSpPr>
+          <p:nvPr>
+            <p:ph type="title"/>
+          </p:nvPr>
+        </p:nvSpPr>
+        <p:spPr>
+          <a:xfrm>
+            <a:off x="432306" y="537338"/>
+            <a:ext cx="11327386" cy="738664"/>
+          </a:xfrm>
+        </p:spPr>
+        <p:txBody>
+          <a:bodyPr/>
+          <a:lstStyle/>
+          <a:p>
+            <a:r>
+              <a:rPr lang="en-US"/>
+              <a:t>Click to edit Master title style</a:t>
+            </a:r>
+          </a:p>
+        </p:txBody>
+      </p:sp>
+      <p:sp>
+        <p:nvSpPr>
+          <p:cNvPr id="3" name="Vertical Text Placeholder 2"/>
+          <p:cNvSpPr>
+            <a:spLocks noGrp="1"/>
+          </p:cNvSpPr>
+          <p:nvPr>
+            <p:ph type="body" orient="vert" idx="1"/>
+          </p:nvPr>
+        </p:nvSpPr>
+        <p:spPr>
+          <a:xfrm>
+            <a:off x="10197404" y="1577340"/>
+            <a:ext cx="1384995" cy="4526280"/>
+          </a:xfrm>
+        </p:spPr>
+        <p:txBody>
+          <a:bodyPr vert="eaVert"/>
+          <a:lstStyle/>
+          <a:p>
+            <a:pPr lvl="0"/>
+            <a:r>
+              <a:rPr lang="en-US"/>
+              <a:t>Click to edit Master text styles</a:t>
+            </a:r>
+          </a:p>
+          <a:p>
+            <a:pPr lvl="1"/>
+            <a:r>
+              <a:rPr lang="en-US"/>
+              <a:t>Second level</a:t>
+            </a:r>
+          </a:p>
+          <a:p>
+            <a:pPr lvl="2"/>
+            <a:r>
+              <a:rPr lang="en-US"/>
+              <a:t>Third level</a:t>
+            </a:r>
+          </a:p>
+          <a:p>
+            <a:pPr lvl="3"/>
+            <a:r>
+              <a:rPr lang="en-US"/>
+              <a:t>Fourth level</a:t>
+            </a:r>
+          </a:p>
+          <a:p>
+            <a:pPr lvl="4"/>
+            <a:r>
+              <a:rPr lang="en-US"/>
+              <a:t>Fifth level</a:t>
+            </a:r>
+          </a:p>
+        </p:txBody>
+      </p:sp>
+      <p:sp>
+        <p:nvSpPr>
+          <p:cNvPr id="4" name="Date Placeholder 3"/>
+          <p:cNvSpPr>
+            <a:spLocks noGrp="1"/>
+          </p:cNvSpPr>
+          <p:nvPr>
+            <p:ph type="dt" sz="half" idx="10"/>
+          </p:nvPr>
+        </p:nvSpPr>
+        <p:spPr>
+          <a:xfrm>
+            <a:off x="609600" y="6377940"/>
+            <a:ext cx="2804160" cy="276999"/>
+          </a:xfrm>
+        </p:spPr>
+        <p:txBody>
+          <a:bodyPr/>
+          <a:lstStyle/>
+          <a:p>
+            <a:fld id="{241EB5C9-1307-BA42-ABA2-0BC069CD8E7F}" type="datetimeFigureOut">
+              <a:rPr lang="en-US" smtClean="0"/>
+              <a:t>12/3/2022</a:t>
+            </a:fld>
+            <a:endParaRPr lang="en-US"/>
+          </a:p>
+        </p:txBody>
+      </p:sp>
+      <p:sp>
+        <p:nvSpPr>
+          <p:cNvPr id="5" name="Footer Placeholder 4"/>
+          <p:cNvSpPr>
+            <a:spLocks noGrp="1"/>
+          </p:cNvSpPr>
+          <p:nvPr>
+            <p:ph type="ftr" sz="quarter" idx="11"/>
+          </p:nvPr>
+        </p:nvSpPr>
+        <p:spPr>
+          <a:xfrm>
+            <a:off x="4145280" y="6377940"/>
+            <a:ext cx="3901439" cy="276999"/>
+          </a:xfrm>
+        </p:spPr>
+        <p:txBody>
+          <a:bodyPr/>
+          <a:lstStyle/>
+          <a:p>
+            <a:endParaRPr lang="en-US"/>
+          </a:p>
+        </p:txBody>
+      </p:sp>
+      <p:sp>
+        <p:nvSpPr>
+          <p:cNvPr id="6" name="Slide Number Placeholder 5"/>
+          <p:cNvSpPr>
+            <a:spLocks noGrp="1"/>
+          </p:cNvSpPr>
+          <p:nvPr>
+            <p:ph type="sldNum" sz="quarter" idx="12"/>
+          </p:nvPr>
+        </p:nvSpPr>
+        <p:spPr>
+          <a:xfrm>
+            <a:off x="280013" y="6403285"/>
+            <a:ext cx="233045" cy="184666"/>
+          </a:xfrm>
+        </p:spPr>
+        <p:txBody>
+          <a:bodyPr/>
+          <a:lstStyle/>
+          <a:p>
+            <a:fld id="{C5EF2332-01BF-834F-8236-50238282D533}" type="slidenum">
+              <a:rPr lang="en-US" smtClean="0"/>
+              <a:t>‹#›</a:t>
+            </a:fld>
+            <a:endParaRPr lang="en-US"/>
+          </a:p>
+        </p:txBody>
+      </p:sp>
+    </p:spTree>
+    <p:extLst>
+      <p:ext uri="{BB962C8B-B14F-4D97-AF65-F5344CB8AC3E}">
+        <p14:creationId xmlns:p14="http://schemas.microsoft.com/office/powerpoint/2010/main" val="2575840915"/>
+      </p:ext>
+    </p:extLst>
+  </p:cSld>
+  <p:clrMapOvr>
+    <a:masterClrMapping/>
+  </p:clrMapOvr>
+</p:sldLayout>
+</file>
+
+<file path=ppt/slideLayouts/slideLayout14.xml><?xml version="1.0" encoding="utf-8"?>
+<p:sldLayout xmlns:a="http://schemas.openxmlformats.org/drawingml/2006/main" xmlns:r="http://schemas.openxmlformats.org/officeDocument/2006/relationships" xmlns:p="http://schemas.openxmlformats.org/presentationml/2006/main" type="vertTitleAndTx" preserve="1">
+  <p:cSld name="Vertical Title and Text">
+    <p:spTree>
+      <p:nvGrpSpPr>
+        <p:cNvPr id="1" name=""/>
+        <p:cNvGrpSpPr/>
+        <p:nvPr/>
+      </p:nvGrpSpPr>
+      <p:grpSpPr>
+        <a:xfrm>
+          <a:off x="0" y="0"/>
+          <a:ext cx="0" cy="0"/>
+          <a:chOff x="0" y="0"/>
+          <a:chExt cx="0" cy="0"/>
+        </a:xfrm>
+      </p:grpSpPr>
+      <p:sp>
+        <p:nvSpPr>
+          <p:cNvPr id="2" name="Vertical Title 1"/>
+          <p:cNvSpPr>
+            <a:spLocks noGrp="1"/>
+          </p:cNvSpPr>
+          <p:nvPr>
+            <p:ph type="title" orient="vert"/>
+          </p:nvPr>
+        </p:nvSpPr>
+        <p:spPr>
+          <a:xfrm>
+            <a:off x="10105073" y="274639"/>
+            <a:ext cx="1477328" cy="5851525"/>
+          </a:xfrm>
+        </p:spPr>
+        <p:txBody>
+          <a:bodyPr vert="eaVert"/>
+          <a:lstStyle/>
+          <a:p>
+            <a:r>
+              <a:rPr lang="en-US"/>
+              <a:t>Click to edit Master title style</a:t>
+            </a:r>
+          </a:p>
+        </p:txBody>
+      </p:sp>
+      <p:sp>
+        <p:nvSpPr>
+          <p:cNvPr id="3" name="Vertical Text Placeholder 2"/>
+          <p:cNvSpPr>
+            <a:spLocks noGrp="1"/>
+          </p:cNvSpPr>
+          <p:nvPr>
+            <p:ph type="body" orient="vert" idx="1"/>
+          </p:nvPr>
+        </p:nvSpPr>
+        <p:spPr>
+          <a:xfrm>
+            <a:off x="7251005" y="274639"/>
+            <a:ext cx="1384995" cy="5851525"/>
+          </a:xfrm>
+        </p:spPr>
+        <p:txBody>
+          <a:bodyPr vert="eaVert"/>
+          <a:lstStyle/>
+          <a:p>
+            <a:pPr lvl="0"/>
+            <a:r>
+              <a:rPr lang="en-US"/>
+              <a:t>Click to edit Master text styles</a:t>
+            </a:r>
+          </a:p>
+          <a:p>
+            <a:pPr lvl="1"/>
+            <a:r>
+              <a:rPr lang="en-US"/>
+              <a:t>Second level</a:t>
+            </a:r>
+          </a:p>
+          <a:p>
+            <a:pPr lvl="2"/>
+            <a:r>
+              <a:rPr lang="en-US"/>
+              <a:t>Third level</a:t>
+            </a:r>
+          </a:p>
+          <a:p>
+            <a:pPr lvl="3"/>
+            <a:r>
+              <a:rPr lang="en-US"/>
+              <a:t>Fourth level</a:t>
+            </a:r>
+          </a:p>
+          <a:p>
+            <a:pPr lvl="4"/>
+            <a:r>
+              <a:rPr lang="en-US"/>
+              <a:t>Fifth level</a:t>
+            </a:r>
+          </a:p>
+        </p:txBody>
+      </p:sp>
+      <p:sp>
+        <p:nvSpPr>
+          <p:cNvPr id="4" name="Date Placeholder 3"/>
+          <p:cNvSpPr>
+            <a:spLocks noGrp="1"/>
+          </p:cNvSpPr>
+          <p:nvPr>
+            <p:ph type="dt" sz="half" idx="10"/>
+          </p:nvPr>
+        </p:nvSpPr>
+        <p:spPr>
+          <a:xfrm>
+            <a:off x="609600" y="6377940"/>
+            <a:ext cx="2804160" cy="276999"/>
+          </a:xfrm>
+        </p:spPr>
+        <p:txBody>
+          <a:bodyPr/>
+          <a:lstStyle/>
+          <a:p>
+            <a:fld id="{241EB5C9-1307-BA42-ABA2-0BC069CD8E7F}" type="datetimeFigureOut">
+              <a:rPr lang="en-US" smtClean="0"/>
+              <a:t>12/3/2022</a:t>
+            </a:fld>
+            <a:endParaRPr lang="en-US"/>
+          </a:p>
+        </p:txBody>
+      </p:sp>
+      <p:sp>
+        <p:nvSpPr>
+          <p:cNvPr id="5" name="Footer Placeholder 4"/>
+          <p:cNvSpPr>
+            <a:spLocks noGrp="1"/>
+          </p:cNvSpPr>
+          <p:nvPr>
+            <p:ph type="ftr" sz="quarter" idx="11"/>
+          </p:nvPr>
+        </p:nvSpPr>
+        <p:spPr>
+          <a:xfrm>
+            <a:off x="4145280" y="6377940"/>
+            <a:ext cx="3901439" cy="276999"/>
+          </a:xfrm>
+        </p:spPr>
+        <p:txBody>
+          <a:bodyPr/>
+          <a:lstStyle/>
+          <a:p>
+            <a:endParaRPr lang="en-US"/>
+          </a:p>
+        </p:txBody>
+      </p:sp>
+      <p:sp>
+        <p:nvSpPr>
+          <p:cNvPr id="6" name="Slide Number Placeholder 5"/>
+          <p:cNvSpPr>
+            <a:spLocks noGrp="1"/>
+          </p:cNvSpPr>
+          <p:nvPr>
+            <p:ph type="sldNum" sz="quarter" idx="12"/>
+          </p:nvPr>
+        </p:nvSpPr>
+        <p:spPr>
+          <a:xfrm>
+            <a:off x="280013" y="6403285"/>
+            <a:ext cx="233045" cy="184666"/>
+          </a:xfrm>
+        </p:spPr>
+        <p:txBody>
+          <a:bodyPr/>
+          <a:lstStyle/>
+          <a:p>
+            <a:fld id="{C5EF2332-01BF-834F-8236-50238282D533}" type="slidenum">
+              <a:rPr lang="en-US" smtClean="0"/>
+              <a:t>‹#›</a:t>
+            </a:fld>
+            <a:endParaRPr lang="en-US"/>
+          </a:p>
+        </p:txBody>
+      </p:sp>
+    </p:spTree>
+    <p:extLst>
+      <p:ext uri="{BB962C8B-B14F-4D97-AF65-F5344CB8AC3E}">
+        <p14:creationId xmlns:p14="http://schemas.microsoft.com/office/powerpoint/2010/main" val="1378108034"/>
+      </p:ext>
+    </p:extLst>
   </p:cSld>
   <p:clrMapOvr>
     <a:masterClrMapping/>
@@ -1688,7 +2942,7 @@
       </p:grpSpPr>
       <p:sp>
         <p:nvSpPr>
-          <p:cNvPr id="2" name="Holder 2"/>
+          <p:cNvPr id="2" name="Title"/>
           <p:cNvSpPr>
             <a:spLocks noGrp="1"/>
           </p:cNvSpPr>
@@ -1711,7 +2965,7 @@
             </a:lvl1pPr>
           </a:lstStyle>
           <a:p>
-            <a:endParaRPr/>
+            <a:endParaRPr dirty="0"/>
           </a:p>
         </p:txBody>
       </p:sp>
@@ -1937,7 +3191,7 @@
             </a:lvl1pPr>
           </a:lstStyle>
           <a:p>
-            <a:endParaRPr/>
+            <a:endParaRPr dirty="0"/>
           </a:p>
         </p:txBody>
       </p:sp>
@@ -2083,7 +3337,1491 @@
 </file>
 
 <file path=ppt/slideLayouts/slideLayout4.xml><?xml version="1.0" encoding="utf-8"?>
+<p:sldLayout xmlns:a="http://schemas.openxmlformats.org/drawingml/2006/main" xmlns:r="http://schemas.openxmlformats.org/officeDocument/2006/relationships" xmlns:p="http://schemas.openxmlformats.org/presentationml/2006/main" type="title" preserve="1">
+  <p:cSld name="1_Title Slide">
+    <p:spTree>
+      <p:nvGrpSpPr>
+        <p:cNvPr id="1" name=""/>
+        <p:cNvGrpSpPr/>
+        <p:nvPr/>
+      </p:nvGrpSpPr>
+      <p:grpSpPr>
+        <a:xfrm>
+          <a:off x="0" y="0"/>
+          <a:ext cx="0" cy="0"/>
+          <a:chOff x="0" y="0"/>
+          <a:chExt cx="0" cy="0"/>
+        </a:xfrm>
+      </p:grpSpPr>
+      <p:sp>
+        <p:nvSpPr>
+          <p:cNvPr id="2" name="Title 1"/>
+          <p:cNvSpPr>
+            <a:spLocks noGrp="1"/>
+          </p:cNvSpPr>
+          <p:nvPr>
+            <p:ph type="ctrTitle"/>
+          </p:nvPr>
+        </p:nvSpPr>
+        <p:spPr>
+          <a:xfrm>
+            <a:off x="914400" y="2130426"/>
+            <a:ext cx="10363200" cy="738664"/>
+          </a:xfrm>
+        </p:spPr>
+        <p:txBody>
+          <a:bodyPr/>
+          <a:lstStyle/>
+          <a:p>
+            <a:r>
+              <a:rPr lang="en-US"/>
+              <a:t>Click to edit Master title style</a:t>
+            </a:r>
+          </a:p>
+        </p:txBody>
+      </p:sp>
+      <p:sp>
+        <p:nvSpPr>
+          <p:cNvPr id="3" name="Subtitle 2"/>
+          <p:cNvSpPr>
+            <a:spLocks noGrp="1"/>
+          </p:cNvSpPr>
+          <p:nvPr>
+            <p:ph type="subTitle" idx="1"/>
+          </p:nvPr>
+        </p:nvSpPr>
+        <p:spPr>
+          <a:xfrm>
+            <a:off x="1828800" y="3886200"/>
+            <a:ext cx="8534400" cy="276999"/>
+          </a:xfrm>
+        </p:spPr>
+        <p:txBody>
+          <a:bodyPr/>
+          <a:lstStyle>
+            <a:lvl1pPr marL="0" indent="0" algn="ctr">
+              <a:buNone/>
+              <a:defRPr>
+                <a:solidFill>
+                  <a:schemeClr val="tx1">
+                    <a:tint val="75000"/>
+                  </a:schemeClr>
+                </a:solidFill>
+              </a:defRPr>
+            </a:lvl1pPr>
+            <a:lvl2pPr marL="457189" indent="0" algn="ctr">
+              <a:buNone/>
+              <a:defRPr>
+                <a:solidFill>
+                  <a:schemeClr val="tx1">
+                    <a:tint val="75000"/>
+                  </a:schemeClr>
+                </a:solidFill>
+              </a:defRPr>
+            </a:lvl2pPr>
+            <a:lvl3pPr marL="914377" indent="0" algn="ctr">
+              <a:buNone/>
+              <a:defRPr>
+                <a:solidFill>
+                  <a:schemeClr val="tx1">
+                    <a:tint val="75000"/>
+                  </a:schemeClr>
+                </a:solidFill>
+              </a:defRPr>
+            </a:lvl3pPr>
+            <a:lvl4pPr marL="1371566" indent="0" algn="ctr">
+              <a:buNone/>
+              <a:defRPr>
+                <a:solidFill>
+                  <a:schemeClr val="tx1">
+                    <a:tint val="75000"/>
+                  </a:schemeClr>
+                </a:solidFill>
+              </a:defRPr>
+            </a:lvl4pPr>
+            <a:lvl5pPr marL="1828754" indent="0" algn="ctr">
+              <a:buNone/>
+              <a:defRPr>
+                <a:solidFill>
+                  <a:schemeClr val="tx1">
+                    <a:tint val="75000"/>
+                  </a:schemeClr>
+                </a:solidFill>
+              </a:defRPr>
+            </a:lvl5pPr>
+            <a:lvl6pPr marL="2285943" indent="0" algn="ctr">
+              <a:buNone/>
+              <a:defRPr>
+                <a:solidFill>
+                  <a:schemeClr val="tx1">
+                    <a:tint val="75000"/>
+                  </a:schemeClr>
+                </a:solidFill>
+              </a:defRPr>
+            </a:lvl6pPr>
+            <a:lvl7pPr marL="2743131" indent="0" algn="ctr">
+              <a:buNone/>
+              <a:defRPr>
+                <a:solidFill>
+                  <a:schemeClr val="tx1">
+                    <a:tint val="75000"/>
+                  </a:schemeClr>
+                </a:solidFill>
+              </a:defRPr>
+            </a:lvl7pPr>
+            <a:lvl8pPr marL="3200320" indent="0" algn="ctr">
+              <a:buNone/>
+              <a:defRPr>
+                <a:solidFill>
+                  <a:schemeClr val="tx1">
+                    <a:tint val="75000"/>
+                  </a:schemeClr>
+                </a:solidFill>
+              </a:defRPr>
+            </a:lvl8pPr>
+            <a:lvl9pPr marL="3657509" indent="0" algn="ctr">
+              <a:buNone/>
+              <a:defRPr>
+                <a:solidFill>
+                  <a:schemeClr val="tx1">
+                    <a:tint val="75000"/>
+                  </a:schemeClr>
+                </a:solidFill>
+              </a:defRPr>
+            </a:lvl9pPr>
+          </a:lstStyle>
+          <a:p>
+            <a:r>
+              <a:rPr lang="en-US"/>
+              <a:t>Click to edit Master subtitle style</a:t>
+            </a:r>
+          </a:p>
+        </p:txBody>
+      </p:sp>
+      <p:sp>
+        <p:nvSpPr>
+          <p:cNvPr id="4" name="Date Placeholder 3"/>
+          <p:cNvSpPr>
+            <a:spLocks noGrp="1"/>
+          </p:cNvSpPr>
+          <p:nvPr>
+            <p:ph type="dt" sz="half" idx="10"/>
+          </p:nvPr>
+        </p:nvSpPr>
+        <p:spPr>
+          <a:xfrm>
+            <a:off x="609600" y="6377940"/>
+            <a:ext cx="2804160" cy="276999"/>
+          </a:xfrm>
+        </p:spPr>
+        <p:txBody>
+          <a:bodyPr/>
+          <a:lstStyle/>
+          <a:p>
+            <a:fld id="{241EB5C9-1307-BA42-ABA2-0BC069CD8E7F}" type="datetimeFigureOut">
+              <a:rPr lang="en-US" smtClean="0"/>
+              <a:t>12/3/2022</a:t>
+            </a:fld>
+            <a:endParaRPr lang="en-US"/>
+          </a:p>
+        </p:txBody>
+      </p:sp>
+      <p:sp>
+        <p:nvSpPr>
+          <p:cNvPr id="5" name="Footer Placeholder 4"/>
+          <p:cNvSpPr>
+            <a:spLocks noGrp="1"/>
+          </p:cNvSpPr>
+          <p:nvPr>
+            <p:ph type="ftr" sz="quarter" idx="11"/>
+          </p:nvPr>
+        </p:nvSpPr>
+        <p:spPr>
+          <a:xfrm>
+            <a:off x="4145280" y="6377940"/>
+            <a:ext cx="3901439" cy="276999"/>
+          </a:xfrm>
+        </p:spPr>
+        <p:txBody>
+          <a:bodyPr/>
+          <a:lstStyle/>
+          <a:p>
+            <a:endParaRPr lang="en-US"/>
+          </a:p>
+        </p:txBody>
+      </p:sp>
+      <p:sp>
+        <p:nvSpPr>
+          <p:cNvPr id="6" name="Slide Number Placeholder 5"/>
+          <p:cNvSpPr>
+            <a:spLocks noGrp="1"/>
+          </p:cNvSpPr>
+          <p:nvPr>
+            <p:ph type="sldNum" sz="quarter" idx="12"/>
+          </p:nvPr>
+        </p:nvSpPr>
+        <p:spPr>
+          <a:xfrm>
+            <a:off x="280013" y="6403285"/>
+            <a:ext cx="233045" cy="184666"/>
+          </a:xfrm>
+        </p:spPr>
+        <p:txBody>
+          <a:bodyPr/>
+          <a:lstStyle/>
+          <a:p>
+            <a:fld id="{C5EF2332-01BF-834F-8236-50238282D533}" type="slidenum">
+              <a:rPr lang="en-US" smtClean="0"/>
+              <a:t>‹#›</a:t>
+            </a:fld>
+            <a:endParaRPr lang="en-US"/>
+          </a:p>
+        </p:txBody>
+      </p:sp>
+    </p:spTree>
+    <p:extLst>
+      <p:ext uri="{BB962C8B-B14F-4D97-AF65-F5344CB8AC3E}">
+        <p14:creationId xmlns:p14="http://schemas.microsoft.com/office/powerpoint/2010/main" val="2423970872"/>
+      </p:ext>
+    </p:extLst>
+  </p:cSld>
+  <p:clrMapOvr>
+    <a:masterClrMapping/>
+  </p:clrMapOvr>
+  <p:extLst>
+    <p:ext uri="{DCECCB84-F9BA-43D5-87BE-67443E8EF086}">
+      <p15:sldGuideLst xmlns:p15="http://schemas.microsoft.com/office/powerpoint/2012/main">
+        <p15:guide id="1" orient="horz" pos="1620">
+          <p15:clr>
+            <a:srgbClr val="FBAE40"/>
+          </p15:clr>
+        </p15:guide>
+        <p15:guide id="2" pos="2880">
+          <p15:clr>
+            <a:srgbClr val="FBAE40"/>
+          </p15:clr>
+        </p15:guide>
+      </p15:sldGuideLst>
+    </p:ext>
+  </p:extLst>
+</p:sldLayout>
+</file>
+
+<file path=ppt/slideLayouts/slideLayout5.xml><?xml version="1.0" encoding="utf-8"?>
 <p:sldLayout xmlns:a="http://schemas.openxmlformats.org/drawingml/2006/main" xmlns:r="http://schemas.openxmlformats.org/officeDocument/2006/relationships" xmlns:p="http://schemas.openxmlformats.org/presentationml/2006/main" type="obj" preserve="1">
+  <p:cSld name="1_Title and Content">
+    <p:spTree>
+      <p:nvGrpSpPr>
+        <p:cNvPr id="1" name=""/>
+        <p:cNvGrpSpPr/>
+        <p:nvPr/>
+      </p:nvGrpSpPr>
+      <p:grpSpPr>
+        <a:xfrm>
+          <a:off x="0" y="0"/>
+          <a:ext cx="0" cy="0"/>
+          <a:chOff x="0" y="0"/>
+          <a:chExt cx="0" cy="0"/>
+        </a:xfrm>
+      </p:grpSpPr>
+      <p:sp>
+        <p:nvSpPr>
+          <p:cNvPr id="2" name="Title 1"/>
+          <p:cNvSpPr>
+            <a:spLocks noGrp="1"/>
+          </p:cNvSpPr>
+          <p:nvPr>
+            <p:ph type="title"/>
+          </p:nvPr>
+        </p:nvSpPr>
+        <p:spPr>
+          <a:xfrm>
+            <a:off x="432306" y="537338"/>
+            <a:ext cx="11327386" cy="738664"/>
+          </a:xfrm>
+        </p:spPr>
+        <p:txBody>
+          <a:bodyPr/>
+          <a:lstStyle/>
+          <a:p>
+            <a:r>
+              <a:rPr lang="en-US"/>
+              <a:t>Click to edit Master title style</a:t>
+            </a:r>
+          </a:p>
+        </p:txBody>
+      </p:sp>
+      <p:sp>
+        <p:nvSpPr>
+          <p:cNvPr id="3" name="Content Placeholder 2"/>
+          <p:cNvSpPr>
+            <a:spLocks noGrp="1"/>
+          </p:cNvSpPr>
+          <p:nvPr>
+            <p:ph idx="1"/>
+          </p:nvPr>
+        </p:nvSpPr>
+        <p:spPr>
+          <a:xfrm>
+            <a:off x="609600" y="1577340"/>
+            <a:ext cx="10972799" cy="1384995"/>
+          </a:xfrm>
+        </p:spPr>
+        <p:txBody>
+          <a:bodyPr/>
+          <a:lstStyle/>
+          <a:p>
+            <a:pPr lvl="0"/>
+            <a:r>
+              <a:rPr lang="en-US"/>
+              <a:t>Click to edit Master text styles</a:t>
+            </a:r>
+          </a:p>
+          <a:p>
+            <a:pPr lvl="1"/>
+            <a:r>
+              <a:rPr lang="en-US"/>
+              <a:t>Second level</a:t>
+            </a:r>
+          </a:p>
+          <a:p>
+            <a:pPr lvl="2"/>
+            <a:r>
+              <a:rPr lang="en-US"/>
+              <a:t>Third level</a:t>
+            </a:r>
+          </a:p>
+          <a:p>
+            <a:pPr lvl="3"/>
+            <a:r>
+              <a:rPr lang="en-US"/>
+              <a:t>Fourth level</a:t>
+            </a:r>
+          </a:p>
+          <a:p>
+            <a:pPr lvl="4"/>
+            <a:r>
+              <a:rPr lang="en-US"/>
+              <a:t>Fifth level</a:t>
+            </a:r>
+          </a:p>
+        </p:txBody>
+      </p:sp>
+      <p:sp>
+        <p:nvSpPr>
+          <p:cNvPr id="4" name="Date Placeholder 3"/>
+          <p:cNvSpPr>
+            <a:spLocks noGrp="1"/>
+          </p:cNvSpPr>
+          <p:nvPr>
+            <p:ph type="dt" sz="half" idx="10"/>
+          </p:nvPr>
+        </p:nvSpPr>
+        <p:spPr>
+          <a:xfrm>
+            <a:off x="609600" y="6377940"/>
+            <a:ext cx="2804160" cy="276999"/>
+          </a:xfrm>
+        </p:spPr>
+        <p:txBody>
+          <a:bodyPr/>
+          <a:lstStyle/>
+          <a:p>
+            <a:fld id="{241EB5C9-1307-BA42-ABA2-0BC069CD8E7F}" type="datetimeFigureOut">
+              <a:rPr lang="en-US" smtClean="0"/>
+              <a:t>12/3/2022</a:t>
+            </a:fld>
+            <a:endParaRPr lang="en-US"/>
+          </a:p>
+        </p:txBody>
+      </p:sp>
+      <p:sp>
+        <p:nvSpPr>
+          <p:cNvPr id="5" name="Footer Placeholder 4"/>
+          <p:cNvSpPr>
+            <a:spLocks noGrp="1"/>
+          </p:cNvSpPr>
+          <p:nvPr>
+            <p:ph type="ftr" sz="quarter" idx="11"/>
+          </p:nvPr>
+        </p:nvSpPr>
+        <p:spPr>
+          <a:xfrm>
+            <a:off x="4145280" y="6377940"/>
+            <a:ext cx="3901439" cy="276999"/>
+          </a:xfrm>
+        </p:spPr>
+        <p:txBody>
+          <a:bodyPr/>
+          <a:lstStyle/>
+          <a:p>
+            <a:endParaRPr lang="en-US"/>
+          </a:p>
+        </p:txBody>
+      </p:sp>
+      <p:sp>
+        <p:nvSpPr>
+          <p:cNvPr id="6" name="Slide Number Placeholder 5"/>
+          <p:cNvSpPr>
+            <a:spLocks noGrp="1"/>
+          </p:cNvSpPr>
+          <p:nvPr>
+            <p:ph type="sldNum" sz="quarter" idx="12"/>
+          </p:nvPr>
+        </p:nvSpPr>
+        <p:spPr>
+          <a:xfrm>
+            <a:off x="280013" y="6403285"/>
+            <a:ext cx="233045" cy="184666"/>
+          </a:xfrm>
+        </p:spPr>
+        <p:txBody>
+          <a:bodyPr/>
+          <a:lstStyle/>
+          <a:p>
+            <a:fld id="{C5EF2332-01BF-834F-8236-50238282D533}" type="slidenum">
+              <a:rPr lang="en-US" smtClean="0"/>
+              <a:t>‹#›</a:t>
+            </a:fld>
+            <a:endParaRPr lang="en-US"/>
+          </a:p>
+        </p:txBody>
+      </p:sp>
+    </p:spTree>
+    <p:extLst>
+      <p:ext uri="{BB962C8B-B14F-4D97-AF65-F5344CB8AC3E}">
+        <p14:creationId xmlns:p14="http://schemas.microsoft.com/office/powerpoint/2010/main" val="1234759288"/>
+      </p:ext>
+    </p:extLst>
+  </p:cSld>
+  <p:clrMapOvr>
+    <a:masterClrMapping/>
+  </p:clrMapOvr>
+  <p:extLst>
+    <p:ext uri="{DCECCB84-F9BA-43D5-87BE-67443E8EF086}">
+      <p15:sldGuideLst xmlns:p15="http://schemas.microsoft.com/office/powerpoint/2012/main">
+        <p15:guide id="1" orient="horz" pos="1620">
+          <p15:clr>
+            <a:srgbClr val="FBAE40"/>
+          </p15:clr>
+        </p15:guide>
+        <p15:guide id="2" pos="2880">
+          <p15:clr>
+            <a:srgbClr val="FBAE40"/>
+          </p15:clr>
+        </p15:guide>
+      </p15:sldGuideLst>
+    </p:ext>
+  </p:extLst>
+</p:sldLayout>
+</file>
+
+<file path=ppt/slideLayouts/slideLayout6.xml><?xml version="1.0" encoding="utf-8"?>
+<p:sldLayout xmlns:a="http://schemas.openxmlformats.org/drawingml/2006/main" xmlns:r="http://schemas.openxmlformats.org/officeDocument/2006/relationships" xmlns:p="http://schemas.openxmlformats.org/presentationml/2006/main" type="secHead" preserve="1">
+  <p:cSld name="Section Header">
+    <p:spTree>
+      <p:nvGrpSpPr>
+        <p:cNvPr id="1" name=""/>
+        <p:cNvGrpSpPr/>
+        <p:nvPr/>
+      </p:nvGrpSpPr>
+      <p:grpSpPr>
+        <a:xfrm>
+          <a:off x="0" y="0"/>
+          <a:ext cx="0" cy="0"/>
+          <a:chOff x="0" y="0"/>
+          <a:chExt cx="0" cy="0"/>
+        </a:xfrm>
+      </p:grpSpPr>
+      <p:sp>
+        <p:nvSpPr>
+          <p:cNvPr id="2" name="Title 1"/>
+          <p:cNvSpPr>
+            <a:spLocks noGrp="1"/>
+          </p:cNvSpPr>
+          <p:nvPr>
+            <p:ph type="title"/>
+          </p:nvPr>
+        </p:nvSpPr>
+        <p:spPr>
+          <a:xfrm>
+            <a:off x="963084" y="4406901"/>
+            <a:ext cx="10363200" cy="615553"/>
+          </a:xfrm>
+        </p:spPr>
+        <p:txBody>
+          <a:bodyPr anchor="t"/>
+          <a:lstStyle>
+            <a:lvl1pPr algn="l">
+              <a:defRPr sz="4000" b="1" cap="all"/>
+            </a:lvl1pPr>
+          </a:lstStyle>
+          <a:p>
+            <a:r>
+              <a:rPr lang="en-US"/>
+              <a:t>Click to edit Master title style</a:t>
+            </a:r>
+          </a:p>
+        </p:txBody>
+      </p:sp>
+      <p:sp>
+        <p:nvSpPr>
+          <p:cNvPr id="3" name="Text Placeholder 2"/>
+          <p:cNvSpPr>
+            <a:spLocks noGrp="1"/>
+          </p:cNvSpPr>
+          <p:nvPr>
+            <p:ph type="body" idx="1"/>
+          </p:nvPr>
+        </p:nvSpPr>
+        <p:spPr>
+          <a:xfrm>
+            <a:off x="963084" y="4099123"/>
+            <a:ext cx="10363200" cy="307777"/>
+          </a:xfrm>
+        </p:spPr>
+        <p:txBody>
+          <a:bodyPr anchor="b"/>
+          <a:lstStyle>
+            <a:lvl1pPr marL="0" indent="0">
+              <a:buNone/>
+              <a:defRPr sz="2000">
+                <a:solidFill>
+                  <a:schemeClr val="tx1">
+                    <a:tint val="75000"/>
+                  </a:schemeClr>
+                </a:solidFill>
+              </a:defRPr>
+            </a:lvl1pPr>
+            <a:lvl2pPr marL="457189" indent="0">
+              <a:buNone/>
+              <a:defRPr sz="1800">
+                <a:solidFill>
+                  <a:schemeClr val="tx1">
+                    <a:tint val="75000"/>
+                  </a:schemeClr>
+                </a:solidFill>
+              </a:defRPr>
+            </a:lvl2pPr>
+            <a:lvl3pPr marL="914377" indent="0">
+              <a:buNone/>
+              <a:defRPr sz="1600">
+                <a:solidFill>
+                  <a:schemeClr val="tx1">
+                    <a:tint val="75000"/>
+                  </a:schemeClr>
+                </a:solidFill>
+              </a:defRPr>
+            </a:lvl3pPr>
+            <a:lvl4pPr marL="1371566" indent="0">
+              <a:buNone/>
+              <a:defRPr sz="1400">
+                <a:solidFill>
+                  <a:schemeClr val="tx1">
+                    <a:tint val="75000"/>
+                  </a:schemeClr>
+                </a:solidFill>
+              </a:defRPr>
+            </a:lvl4pPr>
+            <a:lvl5pPr marL="1828754" indent="0">
+              <a:buNone/>
+              <a:defRPr sz="1400">
+                <a:solidFill>
+                  <a:schemeClr val="tx1">
+                    <a:tint val="75000"/>
+                  </a:schemeClr>
+                </a:solidFill>
+              </a:defRPr>
+            </a:lvl5pPr>
+            <a:lvl6pPr marL="2285943" indent="0">
+              <a:buNone/>
+              <a:defRPr sz="1400">
+                <a:solidFill>
+                  <a:schemeClr val="tx1">
+                    <a:tint val="75000"/>
+                  </a:schemeClr>
+                </a:solidFill>
+              </a:defRPr>
+            </a:lvl6pPr>
+            <a:lvl7pPr marL="2743131" indent="0">
+              <a:buNone/>
+              <a:defRPr sz="1400">
+                <a:solidFill>
+                  <a:schemeClr val="tx1">
+                    <a:tint val="75000"/>
+                  </a:schemeClr>
+                </a:solidFill>
+              </a:defRPr>
+            </a:lvl7pPr>
+            <a:lvl8pPr marL="3200320" indent="0">
+              <a:buNone/>
+              <a:defRPr sz="1400">
+                <a:solidFill>
+                  <a:schemeClr val="tx1">
+                    <a:tint val="75000"/>
+                  </a:schemeClr>
+                </a:solidFill>
+              </a:defRPr>
+            </a:lvl8pPr>
+            <a:lvl9pPr marL="3657509" indent="0">
+              <a:buNone/>
+              <a:defRPr sz="1400">
+                <a:solidFill>
+                  <a:schemeClr val="tx1">
+                    <a:tint val="75000"/>
+                  </a:schemeClr>
+                </a:solidFill>
+              </a:defRPr>
+            </a:lvl9pPr>
+          </a:lstStyle>
+          <a:p>
+            <a:pPr lvl="0"/>
+            <a:r>
+              <a:rPr lang="en-US"/>
+              <a:t>Click to edit Master text styles</a:t>
+            </a:r>
+          </a:p>
+        </p:txBody>
+      </p:sp>
+      <p:sp>
+        <p:nvSpPr>
+          <p:cNvPr id="4" name="Date Placeholder 3"/>
+          <p:cNvSpPr>
+            <a:spLocks noGrp="1"/>
+          </p:cNvSpPr>
+          <p:nvPr>
+            <p:ph type="dt" sz="half" idx="10"/>
+          </p:nvPr>
+        </p:nvSpPr>
+        <p:spPr>
+          <a:xfrm>
+            <a:off x="609600" y="6377940"/>
+            <a:ext cx="2804160" cy="276999"/>
+          </a:xfrm>
+        </p:spPr>
+        <p:txBody>
+          <a:bodyPr/>
+          <a:lstStyle/>
+          <a:p>
+            <a:fld id="{241EB5C9-1307-BA42-ABA2-0BC069CD8E7F}" type="datetimeFigureOut">
+              <a:rPr lang="en-US" smtClean="0"/>
+              <a:t>12/3/2022</a:t>
+            </a:fld>
+            <a:endParaRPr lang="en-US"/>
+          </a:p>
+        </p:txBody>
+      </p:sp>
+      <p:sp>
+        <p:nvSpPr>
+          <p:cNvPr id="5" name="Footer Placeholder 4"/>
+          <p:cNvSpPr>
+            <a:spLocks noGrp="1"/>
+          </p:cNvSpPr>
+          <p:nvPr>
+            <p:ph type="ftr" sz="quarter" idx="11"/>
+          </p:nvPr>
+        </p:nvSpPr>
+        <p:spPr>
+          <a:xfrm>
+            <a:off x="4145280" y="6377940"/>
+            <a:ext cx="3901439" cy="276999"/>
+          </a:xfrm>
+        </p:spPr>
+        <p:txBody>
+          <a:bodyPr/>
+          <a:lstStyle/>
+          <a:p>
+            <a:endParaRPr lang="en-US"/>
+          </a:p>
+        </p:txBody>
+      </p:sp>
+      <p:sp>
+        <p:nvSpPr>
+          <p:cNvPr id="6" name="Slide Number Placeholder 5"/>
+          <p:cNvSpPr>
+            <a:spLocks noGrp="1"/>
+          </p:cNvSpPr>
+          <p:nvPr>
+            <p:ph type="sldNum" sz="quarter" idx="12"/>
+          </p:nvPr>
+        </p:nvSpPr>
+        <p:spPr>
+          <a:xfrm>
+            <a:off x="280013" y="6403285"/>
+            <a:ext cx="233045" cy="184666"/>
+          </a:xfrm>
+        </p:spPr>
+        <p:txBody>
+          <a:bodyPr/>
+          <a:lstStyle/>
+          <a:p>
+            <a:fld id="{C5EF2332-01BF-834F-8236-50238282D533}" type="slidenum">
+              <a:rPr lang="en-US" smtClean="0"/>
+              <a:t>‹#›</a:t>
+            </a:fld>
+            <a:endParaRPr lang="en-US"/>
+          </a:p>
+        </p:txBody>
+      </p:sp>
+    </p:spTree>
+    <p:extLst>
+      <p:ext uri="{BB962C8B-B14F-4D97-AF65-F5344CB8AC3E}">
+        <p14:creationId xmlns:p14="http://schemas.microsoft.com/office/powerpoint/2010/main" val="764707560"/>
+      </p:ext>
+    </p:extLst>
+  </p:cSld>
+  <p:clrMapOvr>
+    <a:masterClrMapping/>
+  </p:clrMapOvr>
+</p:sldLayout>
+</file>
+
+<file path=ppt/slideLayouts/slideLayout7.xml><?xml version="1.0" encoding="utf-8"?>
+<p:sldLayout xmlns:a="http://schemas.openxmlformats.org/drawingml/2006/main" xmlns:r="http://schemas.openxmlformats.org/officeDocument/2006/relationships" xmlns:p="http://schemas.openxmlformats.org/presentationml/2006/main" type="twoObj" preserve="1">
+  <p:cSld name="1_Two Content">
+    <p:spTree>
+      <p:nvGrpSpPr>
+        <p:cNvPr id="1" name=""/>
+        <p:cNvGrpSpPr/>
+        <p:nvPr/>
+      </p:nvGrpSpPr>
+      <p:grpSpPr>
+        <a:xfrm>
+          <a:off x="0" y="0"/>
+          <a:ext cx="0" cy="0"/>
+          <a:chOff x="0" y="0"/>
+          <a:chExt cx="0" cy="0"/>
+        </a:xfrm>
+      </p:grpSpPr>
+      <p:sp>
+        <p:nvSpPr>
+          <p:cNvPr id="2" name="Title 1"/>
+          <p:cNvSpPr>
+            <a:spLocks noGrp="1"/>
+          </p:cNvSpPr>
+          <p:nvPr>
+            <p:ph type="title"/>
+          </p:nvPr>
+        </p:nvSpPr>
+        <p:spPr>
+          <a:xfrm>
+            <a:off x="432306" y="537338"/>
+            <a:ext cx="11327386" cy="738664"/>
+          </a:xfrm>
+        </p:spPr>
+        <p:txBody>
+          <a:bodyPr/>
+          <a:lstStyle/>
+          <a:p>
+            <a:r>
+              <a:rPr lang="en-US"/>
+              <a:t>Click to edit Master title style</a:t>
+            </a:r>
+          </a:p>
+        </p:txBody>
+      </p:sp>
+      <p:sp>
+        <p:nvSpPr>
+          <p:cNvPr id="3" name="Content Placeholder 2"/>
+          <p:cNvSpPr>
+            <a:spLocks noGrp="1"/>
+          </p:cNvSpPr>
+          <p:nvPr>
+            <p:ph sz="half" idx="1"/>
+          </p:nvPr>
+        </p:nvSpPr>
+        <p:spPr>
+          <a:xfrm>
+            <a:off x="609600" y="1600201"/>
+            <a:ext cx="5384800" cy="1661993"/>
+          </a:xfrm>
+        </p:spPr>
+        <p:txBody>
+          <a:bodyPr/>
+          <a:lstStyle>
+            <a:lvl1pPr>
+              <a:defRPr sz="2800"/>
+            </a:lvl1pPr>
+            <a:lvl2pPr>
+              <a:defRPr sz="2400"/>
+            </a:lvl2pPr>
+            <a:lvl3pPr>
+              <a:defRPr sz="2000"/>
+            </a:lvl3pPr>
+            <a:lvl4pPr>
+              <a:defRPr sz="1800"/>
+            </a:lvl4pPr>
+            <a:lvl5pPr>
+              <a:defRPr sz="1800"/>
+            </a:lvl5pPr>
+            <a:lvl6pPr>
+              <a:defRPr sz="1800"/>
+            </a:lvl6pPr>
+            <a:lvl7pPr>
+              <a:defRPr sz="1800"/>
+            </a:lvl7pPr>
+            <a:lvl8pPr>
+              <a:defRPr sz="1800"/>
+            </a:lvl8pPr>
+            <a:lvl9pPr>
+              <a:defRPr sz="1800"/>
+            </a:lvl9pPr>
+          </a:lstStyle>
+          <a:p>
+            <a:pPr lvl="0"/>
+            <a:r>
+              <a:rPr lang="en-US"/>
+              <a:t>Click to edit Master text styles</a:t>
+            </a:r>
+          </a:p>
+          <a:p>
+            <a:pPr lvl="1"/>
+            <a:r>
+              <a:rPr lang="en-US"/>
+              <a:t>Second level</a:t>
+            </a:r>
+          </a:p>
+          <a:p>
+            <a:pPr lvl="2"/>
+            <a:r>
+              <a:rPr lang="en-US"/>
+              <a:t>Third level</a:t>
+            </a:r>
+          </a:p>
+          <a:p>
+            <a:pPr lvl="3"/>
+            <a:r>
+              <a:rPr lang="en-US"/>
+              <a:t>Fourth level</a:t>
+            </a:r>
+          </a:p>
+          <a:p>
+            <a:pPr lvl="4"/>
+            <a:r>
+              <a:rPr lang="en-US"/>
+              <a:t>Fifth level</a:t>
+            </a:r>
+          </a:p>
+        </p:txBody>
+      </p:sp>
+      <p:sp>
+        <p:nvSpPr>
+          <p:cNvPr id="4" name="Content Placeholder 3"/>
+          <p:cNvSpPr>
+            <a:spLocks noGrp="1"/>
+          </p:cNvSpPr>
+          <p:nvPr>
+            <p:ph sz="half" idx="2"/>
+          </p:nvPr>
+        </p:nvSpPr>
+        <p:spPr>
+          <a:xfrm>
+            <a:off x="6197600" y="1600201"/>
+            <a:ext cx="5384800" cy="1661993"/>
+          </a:xfrm>
+        </p:spPr>
+        <p:txBody>
+          <a:bodyPr/>
+          <a:lstStyle>
+            <a:lvl1pPr>
+              <a:defRPr sz="2800"/>
+            </a:lvl1pPr>
+            <a:lvl2pPr>
+              <a:defRPr sz="2400"/>
+            </a:lvl2pPr>
+            <a:lvl3pPr>
+              <a:defRPr sz="2000"/>
+            </a:lvl3pPr>
+            <a:lvl4pPr>
+              <a:defRPr sz="1800"/>
+            </a:lvl4pPr>
+            <a:lvl5pPr>
+              <a:defRPr sz="1800"/>
+            </a:lvl5pPr>
+            <a:lvl6pPr>
+              <a:defRPr sz="1800"/>
+            </a:lvl6pPr>
+            <a:lvl7pPr>
+              <a:defRPr sz="1800"/>
+            </a:lvl7pPr>
+            <a:lvl8pPr>
+              <a:defRPr sz="1800"/>
+            </a:lvl8pPr>
+            <a:lvl9pPr>
+              <a:defRPr sz="1800"/>
+            </a:lvl9pPr>
+          </a:lstStyle>
+          <a:p>
+            <a:pPr lvl="0"/>
+            <a:r>
+              <a:rPr lang="en-US"/>
+              <a:t>Click to edit Master text styles</a:t>
+            </a:r>
+          </a:p>
+          <a:p>
+            <a:pPr lvl="1"/>
+            <a:r>
+              <a:rPr lang="en-US"/>
+              <a:t>Second level</a:t>
+            </a:r>
+          </a:p>
+          <a:p>
+            <a:pPr lvl="2"/>
+            <a:r>
+              <a:rPr lang="en-US"/>
+              <a:t>Third level</a:t>
+            </a:r>
+          </a:p>
+          <a:p>
+            <a:pPr lvl="3"/>
+            <a:r>
+              <a:rPr lang="en-US"/>
+              <a:t>Fourth level</a:t>
+            </a:r>
+          </a:p>
+          <a:p>
+            <a:pPr lvl="4"/>
+            <a:r>
+              <a:rPr lang="en-US"/>
+              <a:t>Fifth level</a:t>
+            </a:r>
+          </a:p>
+        </p:txBody>
+      </p:sp>
+      <p:sp>
+        <p:nvSpPr>
+          <p:cNvPr id="5" name="Date Placeholder 4"/>
+          <p:cNvSpPr>
+            <a:spLocks noGrp="1"/>
+          </p:cNvSpPr>
+          <p:nvPr>
+            <p:ph type="dt" sz="half" idx="10"/>
+          </p:nvPr>
+        </p:nvSpPr>
+        <p:spPr>
+          <a:xfrm>
+            <a:off x="609600" y="6377940"/>
+            <a:ext cx="2804160" cy="276999"/>
+          </a:xfrm>
+        </p:spPr>
+        <p:txBody>
+          <a:bodyPr/>
+          <a:lstStyle/>
+          <a:p>
+            <a:fld id="{241EB5C9-1307-BA42-ABA2-0BC069CD8E7F}" type="datetimeFigureOut">
+              <a:rPr lang="en-US" smtClean="0"/>
+              <a:t>12/3/2022</a:t>
+            </a:fld>
+            <a:endParaRPr lang="en-US"/>
+          </a:p>
+        </p:txBody>
+      </p:sp>
+      <p:sp>
+        <p:nvSpPr>
+          <p:cNvPr id="6" name="Footer Placeholder 5"/>
+          <p:cNvSpPr>
+            <a:spLocks noGrp="1"/>
+          </p:cNvSpPr>
+          <p:nvPr>
+            <p:ph type="ftr" sz="quarter" idx="11"/>
+          </p:nvPr>
+        </p:nvSpPr>
+        <p:spPr>
+          <a:xfrm>
+            <a:off x="4145280" y="6377940"/>
+            <a:ext cx="3901439" cy="276999"/>
+          </a:xfrm>
+        </p:spPr>
+        <p:txBody>
+          <a:bodyPr/>
+          <a:lstStyle/>
+          <a:p>
+            <a:endParaRPr lang="en-US"/>
+          </a:p>
+        </p:txBody>
+      </p:sp>
+      <p:sp>
+        <p:nvSpPr>
+          <p:cNvPr id="7" name="Slide Number Placeholder 6"/>
+          <p:cNvSpPr>
+            <a:spLocks noGrp="1"/>
+          </p:cNvSpPr>
+          <p:nvPr>
+            <p:ph type="sldNum" sz="quarter" idx="12"/>
+          </p:nvPr>
+        </p:nvSpPr>
+        <p:spPr>
+          <a:xfrm>
+            <a:off x="280013" y="6403285"/>
+            <a:ext cx="233045" cy="184666"/>
+          </a:xfrm>
+        </p:spPr>
+        <p:txBody>
+          <a:bodyPr/>
+          <a:lstStyle/>
+          <a:p>
+            <a:fld id="{C5EF2332-01BF-834F-8236-50238282D533}" type="slidenum">
+              <a:rPr lang="en-US" smtClean="0"/>
+              <a:t>‹#›</a:t>
+            </a:fld>
+            <a:endParaRPr lang="en-US"/>
+          </a:p>
+        </p:txBody>
+      </p:sp>
+    </p:spTree>
+    <p:extLst>
+      <p:ext uri="{BB962C8B-B14F-4D97-AF65-F5344CB8AC3E}">
+        <p14:creationId xmlns:p14="http://schemas.microsoft.com/office/powerpoint/2010/main" val="271755749"/>
+      </p:ext>
+    </p:extLst>
+  </p:cSld>
+  <p:clrMapOvr>
+    <a:masterClrMapping/>
+  </p:clrMapOvr>
+</p:sldLayout>
+</file>
+
+<file path=ppt/slideLayouts/slideLayout8.xml><?xml version="1.0" encoding="utf-8"?>
+<p:sldLayout xmlns:a="http://schemas.openxmlformats.org/drawingml/2006/main" xmlns:r="http://schemas.openxmlformats.org/officeDocument/2006/relationships" xmlns:p="http://schemas.openxmlformats.org/presentationml/2006/main" type="twoTxTwoObj" preserve="1">
+  <p:cSld name="Comparison">
+    <p:spTree>
+      <p:nvGrpSpPr>
+        <p:cNvPr id="1" name=""/>
+        <p:cNvGrpSpPr/>
+        <p:nvPr/>
+      </p:nvGrpSpPr>
+      <p:grpSpPr>
+        <a:xfrm>
+          <a:off x="0" y="0"/>
+          <a:ext cx="0" cy="0"/>
+          <a:chOff x="0" y="0"/>
+          <a:chExt cx="0" cy="0"/>
+        </a:xfrm>
+      </p:grpSpPr>
+      <p:sp>
+        <p:nvSpPr>
+          <p:cNvPr id="2" name="Title 1"/>
+          <p:cNvSpPr>
+            <a:spLocks noGrp="1"/>
+          </p:cNvSpPr>
+          <p:nvPr>
+            <p:ph type="title"/>
+          </p:nvPr>
+        </p:nvSpPr>
+        <p:spPr>
+          <a:xfrm>
+            <a:off x="432306" y="537338"/>
+            <a:ext cx="11327386" cy="738664"/>
+          </a:xfrm>
+        </p:spPr>
+        <p:txBody>
+          <a:bodyPr/>
+          <a:lstStyle>
+            <a:lvl1pPr>
+              <a:defRPr/>
+            </a:lvl1pPr>
+          </a:lstStyle>
+          <a:p>
+            <a:r>
+              <a:rPr lang="en-US"/>
+              <a:t>Click to edit Master title style</a:t>
+            </a:r>
+          </a:p>
+        </p:txBody>
+      </p:sp>
+      <p:sp>
+        <p:nvSpPr>
+          <p:cNvPr id="3" name="Text Placeholder 2"/>
+          <p:cNvSpPr>
+            <a:spLocks noGrp="1"/>
+          </p:cNvSpPr>
+          <p:nvPr>
+            <p:ph type="body" idx="1"/>
+          </p:nvPr>
+        </p:nvSpPr>
+        <p:spPr>
+          <a:xfrm>
+            <a:off x="609600" y="1805544"/>
+            <a:ext cx="5386917" cy="369332"/>
+          </a:xfrm>
+        </p:spPr>
+        <p:txBody>
+          <a:bodyPr anchor="b"/>
+          <a:lstStyle>
+            <a:lvl1pPr marL="0" indent="0">
+              <a:buNone/>
+              <a:defRPr sz="2400" b="1"/>
+            </a:lvl1pPr>
+            <a:lvl2pPr marL="457189" indent="0">
+              <a:buNone/>
+              <a:defRPr sz="2000" b="1"/>
+            </a:lvl2pPr>
+            <a:lvl3pPr marL="914377" indent="0">
+              <a:buNone/>
+              <a:defRPr sz="1800" b="1"/>
+            </a:lvl3pPr>
+            <a:lvl4pPr marL="1371566" indent="0">
+              <a:buNone/>
+              <a:defRPr sz="1600" b="1"/>
+            </a:lvl4pPr>
+            <a:lvl5pPr marL="1828754" indent="0">
+              <a:buNone/>
+              <a:defRPr sz="1600" b="1"/>
+            </a:lvl5pPr>
+            <a:lvl6pPr marL="2285943" indent="0">
+              <a:buNone/>
+              <a:defRPr sz="1600" b="1"/>
+            </a:lvl6pPr>
+            <a:lvl7pPr marL="2743131" indent="0">
+              <a:buNone/>
+              <a:defRPr sz="1600" b="1"/>
+            </a:lvl7pPr>
+            <a:lvl8pPr marL="3200320" indent="0">
+              <a:buNone/>
+              <a:defRPr sz="1600" b="1"/>
+            </a:lvl8pPr>
+            <a:lvl9pPr marL="3657509" indent="0">
+              <a:buNone/>
+              <a:defRPr sz="1600" b="1"/>
+            </a:lvl9pPr>
+          </a:lstStyle>
+          <a:p>
+            <a:pPr lvl="0"/>
+            <a:r>
+              <a:rPr lang="en-US"/>
+              <a:t>Click to edit Master text styles</a:t>
+            </a:r>
+          </a:p>
+        </p:txBody>
+      </p:sp>
+      <p:sp>
+        <p:nvSpPr>
+          <p:cNvPr id="4" name="Content Placeholder 3"/>
+          <p:cNvSpPr>
+            <a:spLocks noGrp="1"/>
+          </p:cNvSpPr>
+          <p:nvPr>
+            <p:ph sz="half" idx="2"/>
+          </p:nvPr>
+        </p:nvSpPr>
+        <p:spPr>
+          <a:xfrm>
+            <a:off x="609600" y="2174875"/>
+            <a:ext cx="5386917" cy="1446550"/>
+          </a:xfrm>
+        </p:spPr>
+        <p:txBody>
+          <a:bodyPr/>
+          <a:lstStyle>
+            <a:lvl1pPr>
+              <a:defRPr sz="2400"/>
+            </a:lvl1pPr>
+            <a:lvl2pPr>
+              <a:defRPr sz="2000"/>
+            </a:lvl2pPr>
+            <a:lvl3pPr>
+              <a:defRPr sz="1800"/>
+            </a:lvl3pPr>
+            <a:lvl4pPr>
+              <a:defRPr sz="1600"/>
+            </a:lvl4pPr>
+            <a:lvl5pPr>
+              <a:defRPr sz="1600"/>
+            </a:lvl5pPr>
+            <a:lvl6pPr>
+              <a:defRPr sz="1600"/>
+            </a:lvl6pPr>
+            <a:lvl7pPr>
+              <a:defRPr sz="1600"/>
+            </a:lvl7pPr>
+            <a:lvl8pPr>
+              <a:defRPr sz="1600"/>
+            </a:lvl8pPr>
+            <a:lvl9pPr>
+              <a:defRPr sz="1600"/>
+            </a:lvl9pPr>
+          </a:lstStyle>
+          <a:p>
+            <a:pPr lvl="0"/>
+            <a:r>
+              <a:rPr lang="en-US"/>
+              <a:t>Click to edit Master text styles</a:t>
+            </a:r>
+          </a:p>
+          <a:p>
+            <a:pPr lvl="1"/>
+            <a:r>
+              <a:rPr lang="en-US"/>
+              <a:t>Second level</a:t>
+            </a:r>
+          </a:p>
+          <a:p>
+            <a:pPr lvl="2"/>
+            <a:r>
+              <a:rPr lang="en-US"/>
+              <a:t>Third level</a:t>
+            </a:r>
+          </a:p>
+          <a:p>
+            <a:pPr lvl="3"/>
+            <a:r>
+              <a:rPr lang="en-US"/>
+              <a:t>Fourth level</a:t>
+            </a:r>
+          </a:p>
+          <a:p>
+            <a:pPr lvl="4"/>
+            <a:r>
+              <a:rPr lang="en-US"/>
+              <a:t>Fifth level</a:t>
+            </a:r>
+          </a:p>
+        </p:txBody>
+      </p:sp>
+      <p:sp>
+        <p:nvSpPr>
+          <p:cNvPr id="5" name="Text Placeholder 4"/>
+          <p:cNvSpPr>
+            <a:spLocks noGrp="1"/>
+          </p:cNvSpPr>
+          <p:nvPr>
+            <p:ph type="body" sz="quarter" idx="3"/>
+          </p:nvPr>
+        </p:nvSpPr>
+        <p:spPr>
+          <a:xfrm>
+            <a:off x="6193369" y="1805544"/>
+            <a:ext cx="5389033" cy="369332"/>
+          </a:xfrm>
+        </p:spPr>
+        <p:txBody>
+          <a:bodyPr anchor="b"/>
+          <a:lstStyle>
+            <a:lvl1pPr marL="0" indent="0">
+              <a:buNone/>
+              <a:defRPr sz="2400" b="1"/>
+            </a:lvl1pPr>
+            <a:lvl2pPr marL="457189" indent="0">
+              <a:buNone/>
+              <a:defRPr sz="2000" b="1"/>
+            </a:lvl2pPr>
+            <a:lvl3pPr marL="914377" indent="0">
+              <a:buNone/>
+              <a:defRPr sz="1800" b="1"/>
+            </a:lvl3pPr>
+            <a:lvl4pPr marL="1371566" indent="0">
+              <a:buNone/>
+              <a:defRPr sz="1600" b="1"/>
+            </a:lvl4pPr>
+            <a:lvl5pPr marL="1828754" indent="0">
+              <a:buNone/>
+              <a:defRPr sz="1600" b="1"/>
+            </a:lvl5pPr>
+            <a:lvl6pPr marL="2285943" indent="0">
+              <a:buNone/>
+              <a:defRPr sz="1600" b="1"/>
+            </a:lvl6pPr>
+            <a:lvl7pPr marL="2743131" indent="0">
+              <a:buNone/>
+              <a:defRPr sz="1600" b="1"/>
+            </a:lvl7pPr>
+            <a:lvl8pPr marL="3200320" indent="0">
+              <a:buNone/>
+              <a:defRPr sz="1600" b="1"/>
+            </a:lvl8pPr>
+            <a:lvl9pPr marL="3657509" indent="0">
+              <a:buNone/>
+              <a:defRPr sz="1600" b="1"/>
+            </a:lvl9pPr>
+          </a:lstStyle>
+          <a:p>
+            <a:pPr lvl="0"/>
+            <a:r>
+              <a:rPr lang="en-US"/>
+              <a:t>Click to edit Master text styles</a:t>
+            </a:r>
+          </a:p>
+        </p:txBody>
+      </p:sp>
+      <p:sp>
+        <p:nvSpPr>
+          <p:cNvPr id="6" name="Content Placeholder 5"/>
+          <p:cNvSpPr>
+            <a:spLocks noGrp="1"/>
+          </p:cNvSpPr>
+          <p:nvPr>
+            <p:ph sz="quarter" idx="4"/>
+          </p:nvPr>
+        </p:nvSpPr>
+        <p:spPr>
+          <a:xfrm>
+            <a:off x="6193369" y="2174875"/>
+            <a:ext cx="5389033" cy="1446550"/>
+          </a:xfrm>
+        </p:spPr>
+        <p:txBody>
+          <a:bodyPr/>
+          <a:lstStyle>
+            <a:lvl1pPr>
+              <a:defRPr sz="2400"/>
+            </a:lvl1pPr>
+            <a:lvl2pPr>
+              <a:defRPr sz="2000"/>
+            </a:lvl2pPr>
+            <a:lvl3pPr>
+              <a:defRPr sz="1800"/>
+            </a:lvl3pPr>
+            <a:lvl4pPr>
+              <a:defRPr sz="1600"/>
+            </a:lvl4pPr>
+            <a:lvl5pPr>
+              <a:defRPr sz="1600"/>
+            </a:lvl5pPr>
+            <a:lvl6pPr>
+              <a:defRPr sz="1600"/>
+            </a:lvl6pPr>
+            <a:lvl7pPr>
+              <a:defRPr sz="1600"/>
+            </a:lvl7pPr>
+            <a:lvl8pPr>
+              <a:defRPr sz="1600"/>
+            </a:lvl8pPr>
+            <a:lvl9pPr>
+              <a:defRPr sz="1600"/>
+            </a:lvl9pPr>
+          </a:lstStyle>
+          <a:p>
+            <a:pPr lvl="0"/>
+            <a:r>
+              <a:rPr lang="en-US"/>
+              <a:t>Click to edit Master text styles</a:t>
+            </a:r>
+          </a:p>
+          <a:p>
+            <a:pPr lvl="1"/>
+            <a:r>
+              <a:rPr lang="en-US"/>
+              <a:t>Second level</a:t>
+            </a:r>
+          </a:p>
+          <a:p>
+            <a:pPr lvl="2"/>
+            <a:r>
+              <a:rPr lang="en-US"/>
+              <a:t>Third level</a:t>
+            </a:r>
+          </a:p>
+          <a:p>
+            <a:pPr lvl="3"/>
+            <a:r>
+              <a:rPr lang="en-US"/>
+              <a:t>Fourth level</a:t>
+            </a:r>
+          </a:p>
+          <a:p>
+            <a:pPr lvl="4"/>
+            <a:r>
+              <a:rPr lang="en-US"/>
+              <a:t>Fifth level</a:t>
+            </a:r>
+          </a:p>
+        </p:txBody>
+      </p:sp>
+      <p:sp>
+        <p:nvSpPr>
+          <p:cNvPr id="7" name="Date Placeholder 6"/>
+          <p:cNvSpPr>
+            <a:spLocks noGrp="1"/>
+          </p:cNvSpPr>
+          <p:nvPr>
+            <p:ph type="dt" sz="half" idx="10"/>
+          </p:nvPr>
+        </p:nvSpPr>
+        <p:spPr>
+          <a:xfrm>
+            <a:off x="609600" y="6377940"/>
+            <a:ext cx="2804160" cy="276999"/>
+          </a:xfrm>
+        </p:spPr>
+        <p:txBody>
+          <a:bodyPr/>
+          <a:lstStyle/>
+          <a:p>
+            <a:fld id="{241EB5C9-1307-BA42-ABA2-0BC069CD8E7F}" type="datetimeFigureOut">
+              <a:rPr lang="en-US" smtClean="0"/>
+              <a:t>12/3/2022</a:t>
+            </a:fld>
+            <a:endParaRPr lang="en-US"/>
+          </a:p>
+        </p:txBody>
+      </p:sp>
+      <p:sp>
+        <p:nvSpPr>
+          <p:cNvPr id="8" name="Footer Placeholder 7"/>
+          <p:cNvSpPr>
+            <a:spLocks noGrp="1"/>
+          </p:cNvSpPr>
+          <p:nvPr>
+            <p:ph type="ftr" sz="quarter" idx="11"/>
+          </p:nvPr>
+        </p:nvSpPr>
+        <p:spPr>
+          <a:xfrm>
+            <a:off x="4145280" y="6377940"/>
+            <a:ext cx="3901439" cy="276999"/>
+          </a:xfrm>
+        </p:spPr>
+        <p:txBody>
+          <a:bodyPr/>
+          <a:lstStyle/>
+          <a:p>
+            <a:endParaRPr lang="en-US"/>
+          </a:p>
+        </p:txBody>
+      </p:sp>
+      <p:sp>
+        <p:nvSpPr>
+          <p:cNvPr id="9" name="Slide Number Placeholder 8"/>
+          <p:cNvSpPr>
+            <a:spLocks noGrp="1"/>
+          </p:cNvSpPr>
+          <p:nvPr>
+            <p:ph type="sldNum" sz="quarter" idx="12"/>
+          </p:nvPr>
+        </p:nvSpPr>
+        <p:spPr>
+          <a:xfrm>
+            <a:off x="280013" y="6403285"/>
+            <a:ext cx="233045" cy="184666"/>
+          </a:xfrm>
+        </p:spPr>
+        <p:txBody>
+          <a:bodyPr/>
+          <a:lstStyle/>
+          <a:p>
+            <a:fld id="{C5EF2332-01BF-834F-8236-50238282D533}" type="slidenum">
+              <a:rPr lang="en-US" smtClean="0"/>
+              <a:t>‹#›</a:t>
+            </a:fld>
+            <a:endParaRPr lang="en-US"/>
+          </a:p>
+        </p:txBody>
+      </p:sp>
+    </p:spTree>
+    <p:extLst>
+      <p:ext uri="{BB962C8B-B14F-4D97-AF65-F5344CB8AC3E}">
+        <p14:creationId xmlns:p14="http://schemas.microsoft.com/office/powerpoint/2010/main" val="441546375"/>
+      </p:ext>
+    </p:extLst>
+  </p:cSld>
+  <p:clrMapOvr>
+    <a:masterClrMapping/>
+  </p:clrMapOvr>
+</p:sldLayout>
+</file>
+
+<file path=ppt/slideLayouts/slideLayout9.xml><?xml version="1.0" encoding="utf-8"?>
+<p:sldLayout xmlns:a="http://schemas.openxmlformats.org/drawingml/2006/main" xmlns:r="http://schemas.openxmlformats.org/officeDocument/2006/relationships" xmlns:p="http://schemas.openxmlformats.org/presentationml/2006/main" type="titleOnly" preserve="1">
   <p:cSld name="Title Only">
     <p:spTree>
       <p:nvGrpSpPr>
@@ -2101,7 +4839,7 @@
       </p:grpSpPr>
       <p:sp>
         <p:nvSpPr>
-          <p:cNvPr id="2" name="Holder 2"/>
+          <p:cNvPr id="2" name="Title 1"/>
           <p:cNvSpPr>
             <a:spLocks noGrp="1"/>
           </p:cNvSpPr>
@@ -2109,251 +4847,109 @@
             <p:ph type="title"/>
           </p:nvPr>
         </p:nvSpPr>
-        <p:spPr/>
+        <p:spPr>
+          <a:xfrm>
+            <a:off x="432306" y="537338"/>
+            <a:ext cx="11327386" cy="738664"/>
+          </a:xfrm>
+        </p:spPr>
         <p:txBody>
-          <a:bodyPr lIns="0" tIns="0" rIns="0" bIns="0"/>
-          <a:lstStyle>
-            <a:lvl1pPr>
-              <a:defRPr sz="4800" b="1" i="0">
-                <a:solidFill>
-                  <a:srgbClr val="2E2261"/>
-                </a:solidFill>
-                <a:latin typeface="Rubik"/>
-                <a:cs typeface="Rubik"/>
-              </a:defRPr>
-            </a:lvl1pPr>
-          </a:lstStyle>
-          <a:p>
-            <a:endParaRPr/>
+          <a:bodyPr/>
+          <a:lstStyle/>
+          <a:p>
+            <a:r>
+              <a:rPr lang="en-US"/>
+              <a:t>Click to edit Master title style</a:t>
+            </a:r>
           </a:p>
         </p:txBody>
       </p:sp>
       <p:sp>
         <p:nvSpPr>
-          <p:cNvPr id="3" name="Holder 3"/>
+          <p:cNvPr id="3" name="Date Placeholder 2"/>
           <p:cNvSpPr>
             <a:spLocks noGrp="1"/>
           </p:cNvSpPr>
           <p:nvPr>
-            <p:ph type="ftr" sz="quarter" idx="5"/>
+            <p:ph type="dt" sz="half" idx="10"/>
           </p:nvPr>
         </p:nvSpPr>
-        <p:spPr/>
+        <p:spPr>
+          <a:xfrm>
+            <a:off x="609600" y="6377940"/>
+            <a:ext cx="2804160" cy="276999"/>
+          </a:xfrm>
+        </p:spPr>
         <p:txBody>
-          <a:bodyPr lIns="0" tIns="0" rIns="0" bIns="0"/>
-          <a:lstStyle>
-            <a:lvl1pPr algn="ctr">
-              <a:defRPr>
-                <a:solidFill>
-                  <a:schemeClr val="tx1">
-                    <a:tint val="75000"/>
-                  </a:schemeClr>
-                </a:solidFill>
-              </a:defRPr>
-            </a:lvl1pPr>
-          </a:lstStyle>
-          <a:p>
-            <a:endParaRPr/>
+          <a:bodyPr/>
+          <a:lstStyle/>
+          <a:p>
+            <a:fld id="{241EB5C9-1307-BA42-ABA2-0BC069CD8E7F}" type="datetimeFigureOut">
+              <a:rPr lang="en-US" smtClean="0"/>
+              <a:t>12/3/2022</a:t>
+            </a:fld>
+            <a:endParaRPr lang="en-US"/>
           </a:p>
         </p:txBody>
       </p:sp>
       <p:sp>
         <p:nvSpPr>
-          <p:cNvPr id="4" name="Holder 4"/>
+          <p:cNvPr id="4" name="Footer Placeholder 3"/>
           <p:cNvSpPr>
             <a:spLocks noGrp="1"/>
           </p:cNvSpPr>
           <p:nvPr>
-            <p:ph type="dt" sz="half" idx="6"/>
+            <p:ph type="ftr" sz="quarter" idx="11"/>
           </p:nvPr>
         </p:nvSpPr>
-        <p:spPr/>
+        <p:spPr>
+          <a:xfrm>
+            <a:off x="4145280" y="6377940"/>
+            <a:ext cx="3901439" cy="276999"/>
+          </a:xfrm>
+        </p:spPr>
         <p:txBody>
-          <a:bodyPr lIns="0" tIns="0" rIns="0" bIns="0"/>
-          <a:lstStyle>
-            <a:lvl1pPr algn="l">
-              <a:defRPr>
-                <a:solidFill>
-                  <a:schemeClr val="tx1">
-                    <a:tint val="75000"/>
-                  </a:schemeClr>
-                </a:solidFill>
-              </a:defRPr>
-            </a:lvl1pPr>
-          </a:lstStyle>
-          <a:p>
-            <a:fld id="{1D8BD707-D9CF-40AE-B4C6-C98DA3205C09}" type="datetimeFigureOut">
-              <a:rPr lang="en-US"/>
-              <a:t>12/3/2022</a:t>
-            </a:fld>
+          <a:bodyPr/>
+          <a:lstStyle/>
+          <a:p>
             <a:endParaRPr lang="en-US"/>
           </a:p>
         </p:txBody>
       </p:sp>
       <p:sp>
         <p:nvSpPr>
-          <p:cNvPr id="5" name="Holder 5"/>
+          <p:cNvPr id="5" name="Slide Number Placeholder 4"/>
           <p:cNvSpPr>
             <a:spLocks noGrp="1"/>
           </p:cNvSpPr>
           <p:nvPr>
-            <p:ph type="sldNum" sz="quarter" idx="7"/>
+            <p:ph type="sldNum" sz="quarter" idx="12"/>
           </p:nvPr>
         </p:nvSpPr>
-        <p:spPr/>
+        <p:spPr>
+          <a:xfrm>
+            <a:off x="280013" y="6403285"/>
+            <a:ext cx="233045" cy="184666"/>
+          </a:xfrm>
+        </p:spPr>
         <p:txBody>
-          <a:bodyPr lIns="0" tIns="0" rIns="0" bIns="0"/>
-          <a:lstStyle>
-            <a:lvl1pPr>
-              <a:defRPr sz="1200" b="1" i="0">
-                <a:solidFill>
-                  <a:srgbClr val="FEFEFE"/>
-                </a:solidFill>
-                <a:latin typeface="Rubik"/>
-                <a:cs typeface="Rubik"/>
-              </a:defRPr>
-            </a:lvl1pPr>
-          </a:lstStyle>
-          <a:p>
-            <a:pPr marL="25400">
-              <a:lnSpc>
-                <a:spcPct val="100000"/>
-              </a:lnSpc>
-            </a:pPr>
-            <a:fld id="{81D60167-4931-47E6-BA6A-407CBD079E47}" type="slidenum">
-              <a:rPr dirty="0"/>
+          <a:bodyPr/>
+          <a:lstStyle/>
+          <a:p>
+            <a:fld id="{C5EF2332-01BF-834F-8236-50238282D533}" type="slidenum">
+              <a:rPr lang="en-US" smtClean="0"/>
               <a:t>‹#›</a:t>
             </a:fld>
-            <a:endParaRPr dirty="0"/>
+            <a:endParaRPr lang="en-US"/>
           </a:p>
         </p:txBody>
       </p:sp>
     </p:spTree>
-  </p:cSld>
-  <p:clrMapOvr>
-    <a:masterClrMapping/>
-  </p:clrMapOvr>
-</p:sldLayout>
-</file>
-
-<file path=ppt/slideLayouts/slideLayout5.xml><?xml version="1.0" encoding="utf-8"?>
-<p:sldLayout xmlns:a="http://schemas.openxmlformats.org/drawingml/2006/main" xmlns:r="http://schemas.openxmlformats.org/officeDocument/2006/relationships" xmlns:p="http://schemas.openxmlformats.org/presentationml/2006/main" type="obj" preserve="1">
-  <p:cSld name="Blank">
-    <p:spTree>
-      <p:nvGrpSpPr>
-        <p:cNvPr id="1" name=""/>
-        <p:cNvGrpSpPr/>
-        <p:nvPr/>
-      </p:nvGrpSpPr>
-      <p:grpSpPr>
-        <a:xfrm>
-          <a:off x="0" y="0"/>
-          <a:ext cx="0" cy="0"/>
-          <a:chOff x="0" y="0"/>
-          <a:chExt cx="0" cy="0"/>
-        </a:xfrm>
-      </p:grpSpPr>
-      <p:sp>
-        <p:nvSpPr>
-          <p:cNvPr id="2" name="Holder 2"/>
-          <p:cNvSpPr>
-            <a:spLocks noGrp="1"/>
-          </p:cNvSpPr>
-          <p:nvPr>
-            <p:ph type="ftr" sz="quarter" idx="5"/>
-          </p:nvPr>
-        </p:nvSpPr>
-        <p:spPr/>
-        <p:txBody>
-          <a:bodyPr lIns="0" tIns="0" rIns="0" bIns="0"/>
-          <a:lstStyle>
-            <a:lvl1pPr algn="ctr">
-              <a:defRPr>
-                <a:solidFill>
-                  <a:schemeClr val="tx1">
-                    <a:tint val="75000"/>
-                  </a:schemeClr>
-                </a:solidFill>
-              </a:defRPr>
-            </a:lvl1pPr>
-          </a:lstStyle>
-          <a:p>
-            <a:endParaRPr/>
-          </a:p>
-        </p:txBody>
-      </p:sp>
-      <p:sp>
-        <p:nvSpPr>
-          <p:cNvPr id="3" name="Holder 3"/>
-          <p:cNvSpPr>
-            <a:spLocks noGrp="1"/>
-          </p:cNvSpPr>
-          <p:nvPr>
-            <p:ph type="dt" sz="half" idx="6"/>
-          </p:nvPr>
-        </p:nvSpPr>
-        <p:spPr/>
-        <p:txBody>
-          <a:bodyPr lIns="0" tIns="0" rIns="0" bIns="0"/>
-          <a:lstStyle>
-            <a:lvl1pPr algn="l">
-              <a:defRPr>
-                <a:solidFill>
-                  <a:schemeClr val="tx1">
-                    <a:tint val="75000"/>
-                  </a:schemeClr>
-                </a:solidFill>
-              </a:defRPr>
-            </a:lvl1pPr>
-          </a:lstStyle>
-          <a:p>
-            <a:fld id="{1D8BD707-D9CF-40AE-B4C6-C98DA3205C09}" type="datetimeFigureOut">
-              <a:rPr lang="en-US"/>
-              <a:t>12/3/2022</a:t>
-            </a:fld>
-            <a:endParaRPr lang="en-US"/>
-          </a:p>
-        </p:txBody>
-      </p:sp>
-      <p:sp>
-        <p:nvSpPr>
-          <p:cNvPr id="4" name="Holder 4"/>
-          <p:cNvSpPr>
-            <a:spLocks noGrp="1"/>
-          </p:cNvSpPr>
-          <p:nvPr>
-            <p:ph type="sldNum" sz="quarter" idx="7"/>
-          </p:nvPr>
-        </p:nvSpPr>
-        <p:spPr/>
-        <p:txBody>
-          <a:bodyPr lIns="0" tIns="0" rIns="0" bIns="0"/>
-          <a:lstStyle>
-            <a:lvl1pPr>
-              <a:defRPr sz="1200" b="1" i="0">
-                <a:solidFill>
-                  <a:srgbClr val="FEFEFE"/>
-                </a:solidFill>
-                <a:latin typeface="Rubik"/>
-                <a:cs typeface="Rubik"/>
-              </a:defRPr>
-            </a:lvl1pPr>
-          </a:lstStyle>
-          <a:p>
-            <a:pPr marL="25400">
-              <a:lnSpc>
-                <a:spcPct val="100000"/>
-              </a:lnSpc>
-            </a:pPr>
-            <a:fld id="{81D60167-4931-47E6-BA6A-407CBD079E47}" type="slidenum">
-              <a:rPr dirty="0"/>
-              <a:t>‹#›</a:t>
-            </a:fld>
-            <a:endParaRPr dirty="0"/>
-          </a:p>
-        </p:txBody>
-      </p:sp>
-    </p:spTree>
+    <p:extLst>
+      <p:ext uri="{BB962C8B-B14F-4D97-AF65-F5344CB8AC3E}">
+        <p14:creationId xmlns:p14="http://schemas.microsoft.com/office/powerpoint/2010/main" val="2647040528"/>
+      </p:ext>
+    </p:extLst>
   </p:cSld>
   <p:clrMapOvr>
     <a:masterClrMapping/>
@@ -2388,7 +4984,7 @@
       </p:grpSpPr>
       <p:sp>
         <p:nvSpPr>
-          <p:cNvPr id="16" name="bk object 16"/>
+          <p:cNvPr id="16" name="hol"/>
           <p:cNvSpPr/>
           <p:nvPr/>
         </p:nvSpPr>
@@ -2438,7 +5034,7 @@
       </p:sp>
       <p:sp>
         <p:nvSpPr>
-          <p:cNvPr id="2" name="Holder 2"/>
+          <p:cNvPr id="2" name="title"/>
           <p:cNvSpPr>
             <a:spLocks noGrp="1"/>
           </p:cNvSpPr>
@@ -2471,7 +5067,7 @@
             </a:lvl1pPr>
           </a:lstStyle>
           <a:p>
-            <a:endParaRPr/>
+            <a:endParaRPr dirty="0"/>
           </a:p>
         </p:txBody>
       </p:sp>
@@ -2653,7 +5249,7 @@
           <p:nvPr userDrawn="1"/>
         </p:nvPicPr>
         <p:blipFill>
-          <a:blip r:embed="rId7" cstate="print">
+          <a:blip r:embed="rId16" cstate="print">
             <a:extLst>
               <a:ext uri="{28A0092B-C50C-407E-A947-70E740481C1C}">
                 <a14:useLocalDpi xmlns:a14="http://schemas.microsoft.com/office/drawing/2010/main" val="0"/>
@@ -2683,6 +5279,15 @@
     <p:sldLayoutId id="2147483663" r:id="rId3"/>
     <p:sldLayoutId id="2147483664" r:id="rId4"/>
     <p:sldLayoutId id="2147483665" r:id="rId5"/>
+    <p:sldLayoutId id="2147483666" r:id="rId6"/>
+    <p:sldLayoutId id="2147483667" r:id="rId7"/>
+    <p:sldLayoutId id="2147483668" r:id="rId8"/>
+    <p:sldLayoutId id="2147483669" r:id="rId9"/>
+    <p:sldLayoutId id="2147483670" r:id="rId10"/>
+    <p:sldLayoutId id="2147483671" r:id="rId11"/>
+    <p:sldLayoutId id="2147483672" r:id="rId12"/>
+    <p:sldLayoutId id="2147483673" r:id="rId13"/>
+    <p:sldLayoutId id="2147483674" r:id="rId14"/>
   </p:sldLayoutIdLst>
   <p:txStyles>
     <p:titleStyle>
@@ -6012,840 +8617,6 @@
 </p:sld>
 </file>
 
-<file path=ppt/slides/slide10.xml><?xml version="1.0" encoding="utf-8"?>
-<p:sld xmlns:a="http://schemas.openxmlformats.org/drawingml/2006/main" xmlns:r="http://schemas.openxmlformats.org/officeDocument/2006/relationships" xmlns:p="http://schemas.openxmlformats.org/presentationml/2006/main">
-  <p:cSld>
-    <p:spTree>
-      <p:nvGrpSpPr>
-        <p:cNvPr id="1" name=""/>
-        <p:cNvGrpSpPr/>
-        <p:nvPr/>
-      </p:nvGrpSpPr>
-      <p:grpSpPr>
-        <a:xfrm>
-          <a:off x="0" y="0"/>
-          <a:ext cx="0" cy="0"/>
-          <a:chOff x="0" y="0"/>
-          <a:chExt cx="0" cy="0"/>
-        </a:xfrm>
-      </p:grpSpPr>
-      <p:sp>
-        <p:nvSpPr>
-          <p:cNvPr id="2" name="Holder 3"/>
-          <p:cNvSpPr>
-            <a:spLocks noGrp="1"/>
-          </p:cNvSpPr>
-          <p:nvPr>
-            <p:ph sz="half" idx="2"/>
-          </p:nvPr>
-        </p:nvSpPr>
-        <p:spPr>
-          <a:xfrm>
-            <a:off x="609600" y="1577340"/>
-            <a:ext cx="5303520" cy="4526280"/>
-          </a:xfrm>
-        </p:spPr>
-        <p:txBody>
-          <a:bodyPr/>
-          <a:lstStyle/>
-          <a:p>
-            <a:r>
-              <a:rPr/>
-              <a:t>text item #1</a:t>
-            </a:r>
-          </a:p>
-          <a:p>
-            <a:r>
-              <a:rPr/>
-              <a:t>text item #2</a:t>
-            </a:r>
-          </a:p>
-          <a:p>
-            <a:r>
-              <a:rPr/>
-              <a:t>text item #3</a:t>
-            </a:r>
-          </a:p>
-          <a:p>
-            <a:r>
-              <a:rPr/>
-              <a:t>text item #4</a:t>
-            </a:r>
-          </a:p>
-          <a:p>
-            <a:r>
-              <a:rPr/>
-              <a:t>text item #5</a:t>
-            </a:r>
-          </a:p>
-          <a:p>
-            <a:r>
-              <a:rPr/>
-              <a:t>text item #6</a:t>
-            </a:r>
-          </a:p>
-        </p:txBody>
-      </p:sp>
-      <p:sp>
-        <p:nvSpPr>
-          <p:cNvPr id="3" name="Holder 4"/>
-          <p:cNvSpPr>
-            <a:spLocks noGrp="1"/>
-          </p:cNvSpPr>
-          <p:nvPr>
-            <p:ph sz="half" idx="3"/>
-          </p:nvPr>
-        </p:nvSpPr>
-        <p:spPr>
-          <a:xfrm>
-            <a:off x="6278879" y="1577340"/>
-            <a:ext cx="5303520" cy="4526280"/>
-          </a:xfrm>
-        </p:spPr>
-        <p:txBody>
-          <a:bodyPr/>
-          <a:lstStyle/>
-          <a:p>
-            <a:r>
-              <a:rPr/>
-              <a:t>text item #1</a:t>
-            </a:r>
-          </a:p>
-          <a:p>
-            <a:r>
-              <a:rPr/>
-              <a:t>text item #2</a:t>
-            </a:r>
-          </a:p>
-          <a:p>
-            <a:r>
-              <a:rPr/>
-              <a:t>text item #3</a:t>
-            </a:r>
-          </a:p>
-          <a:p>
-            <a:r>
-              <a:rPr/>
-              <a:t>text item #4</a:t>
-            </a:r>
-          </a:p>
-          <a:p>
-            <a:r>
-              <a:rPr/>
-              <a:t>text item #5</a:t>
-            </a:r>
-          </a:p>
-          <a:p>
-            <a:r>
-              <a:rPr/>
-              <a:t>text item #6</a:t>
-            </a:r>
-          </a:p>
-        </p:txBody>
-      </p:sp>
-    </p:spTree>
-  </p:cSld>
-  <p:clrMapOvr>
-    <a:masterClrMapping/>
-  </p:clrMapOvr>
-</p:sld>
-</file>
-
-<file path=ppt/slides/slide11.xml><?xml version="1.0" encoding="utf-8"?>
-<p:sld xmlns:a="http://schemas.openxmlformats.org/drawingml/2006/main" xmlns:r="http://schemas.openxmlformats.org/officeDocument/2006/relationships" xmlns:p="http://schemas.openxmlformats.org/presentationml/2006/main">
-  <p:cSld>
-    <p:spTree>
-      <p:nvGrpSpPr>
-        <p:cNvPr id="1" name=""/>
-        <p:cNvGrpSpPr/>
-        <p:nvPr/>
-      </p:nvGrpSpPr>
-      <p:grpSpPr>
-        <a:xfrm>
-          <a:off x="0" y="0"/>
-          <a:ext cx="0" cy="0"/>
-          <a:chOff x="0" y="0"/>
-          <a:chExt cx="0" cy="0"/>
-        </a:xfrm>
-      </p:grpSpPr>
-      <p:sp>
-        <p:nvSpPr>
-          <p:cNvPr id="2" name="Holder 3"/>
-          <p:cNvSpPr>
-            <a:spLocks noGrp="1"/>
-          </p:cNvSpPr>
-          <p:nvPr>
-            <p:ph sz="half" idx="2"/>
-          </p:nvPr>
-        </p:nvSpPr>
-        <p:spPr>
-          <a:xfrm>
-            <a:off x="609600" y="1577340"/>
-            <a:ext cx="5303520" cy="4526280"/>
-          </a:xfrm>
-        </p:spPr>
-        <p:txBody>
-          <a:bodyPr/>
-          <a:lstStyle/>
-          <a:p>
-            <a:r>
-              <a:rPr/>
-              <a:t>text item #1</a:t>
-            </a:r>
-          </a:p>
-          <a:p>
-            <a:r>
-              <a:rPr/>
-              <a:t>text item #2</a:t>
-            </a:r>
-          </a:p>
-          <a:p>
-            <a:r>
-              <a:rPr/>
-              <a:t>text item #3</a:t>
-            </a:r>
-          </a:p>
-          <a:p>
-            <a:r>
-              <a:rPr/>
-              <a:t>text item #4</a:t>
-            </a:r>
-          </a:p>
-          <a:p>
-            <a:r>
-              <a:rPr/>
-              <a:t>text item #5</a:t>
-            </a:r>
-          </a:p>
-          <a:p>
-            <a:r>
-              <a:rPr/>
-              <a:t>text item #6</a:t>
-            </a:r>
-          </a:p>
-        </p:txBody>
-      </p:sp>
-      <p:sp>
-        <p:nvSpPr>
-          <p:cNvPr id="3" name="Holder 4"/>
-          <p:cNvSpPr>
-            <a:spLocks noGrp="1"/>
-          </p:cNvSpPr>
-          <p:nvPr>
-            <p:ph sz="half" idx="3"/>
-          </p:nvPr>
-        </p:nvSpPr>
-        <p:spPr>
-          <a:xfrm>
-            <a:off x="6278879" y="1577340"/>
-            <a:ext cx="5303520" cy="4526280"/>
-          </a:xfrm>
-        </p:spPr>
-        <p:txBody>
-          <a:bodyPr/>
-          <a:lstStyle/>
-          <a:p>
-            <a:r>
-              <a:rPr/>
-              <a:t>text item #1</a:t>
-            </a:r>
-          </a:p>
-          <a:p>
-            <a:r>
-              <a:rPr/>
-              <a:t>text item #2</a:t>
-            </a:r>
-          </a:p>
-          <a:p>
-            <a:r>
-              <a:rPr/>
-              <a:t>text item #3</a:t>
-            </a:r>
-          </a:p>
-          <a:p>
-            <a:r>
-              <a:rPr/>
-              <a:t>text item #4</a:t>
-            </a:r>
-          </a:p>
-          <a:p>
-            <a:r>
-              <a:rPr/>
-              <a:t>text item #5</a:t>
-            </a:r>
-          </a:p>
-          <a:p>
-            <a:r>
-              <a:rPr/>
-              <a:t>text item #6</a:t>
-            </a:r>
-          </a:p>
-        </p:txBody>
-      </p:sp>
-    </p:spTree>
-  </p:cSld>
-  <p:clrMapOvr>
-    <a:masterClrMapping/>
-  </p:clrMapOvr>
-</p:sld>
-</file>
-
-<file path=ppt/slides/slide12.xml><?xml version="1.0" encoding="utf-8"?>
-<p:sld xmlns:a="http://schemas.openxmlformats.org/drawingml/2006/main" xmlns:r="http://schemas.openxmlformats.org/officeDocument/2006/relationships" xmlns:p="http://schemas.openxmlformats.org/presentationml/2006/main">
-  <p:cSld>
-    <p:spTree>
-      <p:nvGrpSpPr>
-        <p:cNvPr id="1" name=""/>
-        <p:cNvGrpSpPr/>
-        <p:nvPr/>
-      </p:nvGrpSpPr>
-      <p:grpSpPr>
-        <a:xfrm>
-          <a:off x="0" y="0"/>
-          <a:ext cx="0" cy="0"/>
-          <a:chOff x="0" y="0"/>
-          <a:chExt cx="0" cy="0"/>
-        </a:xfrm>
-      </p:grpSpPr>
-      <p:sp>
-        <p:nvSpPr>
-          <p:cNvPr id="2" name="Holder 3"/>
-          <p:cNvSpPr>
-            <a:spLocks noGrp="1"/>
-          </p:cNvSpPr>
-          <p:nvPr>
-            <p:ph sz="half" idx="2"/>
-          </p:nvPr>
-        </p:nvSpPr>
-        <p:spPr>
-          <a:xfrm>
-            <a:off x="609600" y="1577340"/>
-            <a:ext cx="5303520" cy="4526280"/>
-          </a:xfrm>
-        </p:spPr>
-        <p:txBody>
-          <a:bodyPr/>
-          <a:lstStyle/>
-          <a:p>
-            <a:r>
-              <a:rPr/>
-              <a:t>text item #1</a:t>
-            </a:r>
-          </a:p>
-          <a:p>
-            <a:r>
-              <a:rPr/>
-              <a:t>text item #2</a:t>
-            </a:r>
-          </a:p>
-          <a:p>
-            <a:r>
-              <a:rPr/>
-              <a:t>text item #3</a:t>
-            </a:r>
-          </a:p>
-          <a:p>
-            <a:r>
-              <a:rPr/>
-              <a:t>text item #4</a:t>
-            </a:r>
-          </a:p>
-          <a:p>
-            <a:r>
-              <a:rPr/>
-              <a:t>text item #5</a:t>
-            </a:r>
-          </a:p>
-          <a:p>
-            <a:r>
-              <a:rPr/>
-              <a:t>text item #6</a:t>
-            </a:r>
-          </a:p>
-        </p:txBody>
-      </p:sp>
-      <p:sp>
-        <p:nvSpPr>
-          <p:cNvPr id="3" name="Holder 4"/>
-          <p:cNvSpPr>
-            <a:spLocks noGrp="1"/>
-          </p:cNvSpPr>
-          <p:nvPr>
-            <p:ph sz="half" idx="3"/>
-          </p:nvPr>
-        </p:nvSpPr>
-        <p:spPr>
-          <a:xfrm>
-            <a:off x="6278879" y="1577340"/>
-            <a:ext cx="5303520" cy="4526280"/>
-          </a:xfrm>
-        </p:spPr>
-        <p:txBody>
-          <a:bodyPr/>
-          <a:lstStyle/>
-          <a:p>
-            <a:r>
-              <a:rPr/>
-              <a:t>text item #1</a:t>
-            </a:r>
-          </a:p>
-          <a:p>
-            <a:r>
-              <a:rPr/>
-              <a:t>text item #2</a:t>
-            </a:r>
-          </a:p>
-          <a:p>
-            <a:r>
-              <a:rPr/>
-              <a:t>text item #3</a:t>
-            </a:r>
-          </a:p>
-          <a:p>
-            <a:r>
-              <a:rPr/>
-              <a:t>text item #4</a:t>
-            </a:r>
-          </a:p>
-          <a:p>
-            <a:r>
-              <a:rPr/>
-              <a:t>text item #5</a:t>
-            </a:r>
-          </a:p>
-          <a:p>
-            <a:r>
-              <a:rPr/>
-              <a:t>text item #6</a:t>
-            </a:r>
-          </a:p>
-        </p:txBody>
-      </p:sp>
-    </p:spTree>
-  </p:cSld>
-  <p:clrMapOvr>
-    <a:masterClrMapping/>
-  </p:clrMapOvr>
-</p:sld>
-</file>
-
-<file path=ppt/slides/slide13.xml><?xml version="1.0" encoding="utf-8"?>
-<p:sld xmlns:a="http://schemas.openxmlformats.org/drawingml/2006/main" xmlns:r="http://schemas.openxmlformats.org/officeDocument/2006/relationships" xmlns:p="http://schemas.openxmlformats.org/presentationml/2006/main">
-  <p:cSld>
-    <p:spTree>
-      <p:nvGrpSpPr>
-        <p:cNvPr id="1" name=""/>
-        <p:cNvGrpSpPr/>
-        <p:nvPr/>
-      </p:nvGrpSpPr>
-      <p:grpSpPr>
-        <a:xfrm>
-          <a:off x="0" y="0"/>
-          <a:ext cx="0" cy="0"/>
-          <a:chOff x="0" y="0"/>
-          <a:chExt cx="0" cy="0"/>
-        </a:xfrm>
-      </p:grpSpPr>
-      <p:sp>
-        <p:nvSpPr>
-          <p:cNvPr id="2" name="Holder 3"/>
-          <p:cNvSpPr>
-            <a:spLocks noGrp="1"/>
-          </p:cNvSpPr>
-          <p:nvPr>
-            <p:ph sz="half" idx="2"/>
-          </p:nvPr>
-        </p:nvSpPr>
-        <p:spPr>
-          <a:xfrm>
-            <a:off x="609600" y="1577340"/>
-            <a:ext cx="5303520" cy="4526280"/>
-          </a:xfrm>
-        </p:spPr>
-        <p:txBody>
-          <a:bodyPr/>
-          <a:lstStyle/>
-          <a:p>
-            <a:r>
-              <a:rPr/>
-              <a:t>text item #1</a:t>
-            </a:r>
-          </a:p>
-          <a:p>
-            <a:r>
-              <a:rPr/>
-              <a:t>text item #2</a:t>
-            </a:r>
-          </a:p>
-          <a:p>
-            <a:r>
-              <a:rPr/>
-              <a:t>text item #3</a:t>
-            </a:r>
-          </a:p>
-          <a:p>
-            <a:r>
-              <a:rPr/>
-              <a:t>text item #4</a:t>
-            </a:r>
-          </a:p>
-          <a:p>
-            <a:r>
-              <a:rPr/>
-              <a:t>text item #5</a:t>
-            </a:r>
-          </a:p>
-          <a:p>
-            <a:r>
-              <a:rPr/>
-              <a:t>text item #6</a:t>
-            </a:r>
-          </a:p>
-        </p:txBody>
-      </p:sp>
-      <p:sp>
-        <p:nvSpPr>
-          <p:cNvPr id="3" name="Holder 4"/>
-          <p:cNvSpPr>
-            <a:spLocks noGrp="1"/>
-          </p:cNvSpPr>
-          <p:nvPr>
-            <p:ph sz="half" idx="3"/>
-          </p:nvPr>
-        </p:nvSpPr>
-        <p:spPr>
-          <a:xfrm>
-            <a:off x="6278879" y="1577340"/>
-            <a:ext cx="5303520" cy="4526280"/>
-          </a:xfrm>
-        </p:spPr>
-        <p:txBody>
-          <a:bodyPr/>
-          <a:lstStyle/>
-          <a:p>
-            <a:r>
-              <a:rPr/>
-              <a:t>text item #1</a:t>
-            </a:r>
-          </a:p>
-          <a:p>
-            <a:r>
-              <a:rPr/>
-              <a:t>text item #2</a:t>
-            </a:r>
-          </a:p>
-          <a:p>
-            <a:r>
-              <a:rPr/>
-              <a:t>text item #3</a:t>
-            </a:r>
-          </a:p>
-          <a:p>
-            <a:r>
-              <a:rPr/>
-              <a:t>text item #4</a:t>
-            </a:r>
-          </a:p>
-          <a:p>
-            <a:r>
-              <a:rPr/>
-              <a:t>text item #5</a:t>
-            </a:r>
-          </a:p>
-          <a:p>
-            <a:r>
-              <a:rPr/>
-              <a:t>text item #6</a:t>
-            </a:r>
-          </a:p>
-        </p:txBody>
-      </p:sp>
-    </p:spTree>
-  </p:cSld>
-  <p:clrMapOvr>
-    <a:masterClrMapping/>
-  </p:clrMapOvr>
-</p:sld>
-</file>
-
-<file path=ppt/slides/slide14.xml><?xml version="1.0" encoding="utf-8"?>
-<p:sld xmlns:a="http://schemas.openxmlformats.org/drawingml/2006/main" xmlns:r="http://schemas.openxmlformats.org/officeDocument/2006/relationships" xmlns:p="http://schemas.openxmlformats.org/presentationml/2006/main">
-  <p:cSld>
-    <p:spTree>
-      <p:nvGrpSpPr>
-        <p:cNvPr id="1" name=""/>
-        <p:cNvGrpSpPr/>
-        <p:nvPr/>
-      </p:nvGrpSpPr>
-      <p:grpSpPr>
-        <a:xfrm>
-          <a:off x="0" y="0"/>
-          <a:ext cx="0" cy="0"/>
-          <a:chOff x="0" y="0"/>
-          <a:chExt cx="0" cy="0"/>
-        </a:xfrm>
-      </p:grpSpPr>
-      <p:sp>
-        <p:nvSpPr>
-          <p:cNvPr id="2" name="Holder 3"/>
-          <p:cNvSpPr>
-            <a:spLocks noGrp="1"/>
-          </p:cNvSpPr>
-          <p:nvPr>
-            <p:ph sz="half" idx="2"/>
-          </p:nvPr>
-        </p:nvSpPr>
-        <p:spPr>
-          <a:xfrm>
-            <a:off x="609600" y="1577340"/>
-            <a:ext cx="5303520" cy="4526280"/>
-          </a:xfrm>
-        </p:spPr>
-        <p:txBody>
-          <a:bodyPr/>
-          <a:lstStyle/>
-          <a:p>
-            <a:r>
-              <a:rPr/>
-              <a:t>text item #1</a:t>
-            </a:r>
-          </a:p>
-          <a:p>
-            <a:r>
-              <a:rPr/>
-              <a:t>text item #2</a:t>
-            </a:r>
-          </a:p>
-          <a:p>
-            <a:r>
-              <a:rPr/>
-              <a:t>text item #3</a:t>
-            </a:r>
-          </a:p>
-          <a:p>
-            <a:r>
-              <a:rPr/>
-              <a:t>text item #4</a:t>
-            </a:r>
-          </a:p>
-          <a:p>
-            <a:r>
-              <a:rPr/>
-              <a:t>text item #5</a:t>
-            </a:r>
-          </a:p>
-          <a:p>
-            <a:r>
-              <a:rPr/>
-              <a:t>text item #6</a:t>
-            </a:r>
-          </a:p>
-        </p:txBody>
-      </p:sp>
-      <p:sp>
-        <p:nvSpPr>
-          <p:cNvPr id="3" name="Holder 4"/>
-          <p:cNvSpPr>
-            <a:spLocks noGrp="1"/>
-          </p:cNvSpPr>
-          <p:nvPr>
-            <p:ph sz="half" idx="3"/>
-          </p:nvPr>
-        </p:nvSpPr>
-        <p:spPr>
-          <a:xfrm>
-            <a:off x="6278879" y="1577340"/>
-            <a:ext cx="5303520" cy="4526280"/>
-          </a:xfrm>
-        </p:spPr>
-        <p:txBody>
-          <a:bodyPr/>
-          <a:lstStyle/>
-          <a:p>
-            <a:r>
-              <a:rPr/>
-              <a:t>text item #1</a:t>
-            </a:r>
-          </a:p>
-          <a:p>
-            <a:r>
-              <a:rPr/>
-              <a:t>text item #2</a:t>
-            </a:r>
-          </a:p>
-          <a:p>
-            <a:r>
-              <a:rPr/>
-              <a:t>text item #3</a:t>
-            </a:r>
-          </a:p>
-          <a:p>
-            <a:r>
-              <a:rPr/>
-              <a:t>text item #4</a:t>
-            </a:r>
-          </a:p>
-          <a:p>
-            <a:r>
-              <a:rPr/>
-              <a:t>text item #5</a:t>
-            </a:r>
-          </a:p>
-          <a:p>
-            <a:r>
-              <a:rPr/>
-              <a:t>text item #6</a:t>
-            </a:r>
-          </a:p>
-        </p:txBody>
-      </p:sp>
-    </p:spTree>
-  </p:cSld>
-  <p:clrMapOvr>
-    <a:masterClrMapping/>
-  </p:clrMapOvr>
-</p:sld>
-</file>
-
-<file path=ppt/slides/slide15.xml><?xml version="1.0" encoding="utf-8"?>
-<p:sld xmlns:a="http://schemas.openxmlformats.org/drawingml/2006/main" xmlns:r="http://schemas.openxmlformats.org/officeDocument/2006/relationships" xmlns:p="http://schemas.openxmlformats.org/presentationml/2006/main">
-  <p:cSld>
-    <p:spTree>
-      <p:nvGrpSpPr>
-        <p:cNvPr id="1" name=""/>
-        <p:cNvGrpSpPr/>
-        <p:nvPr/>
-      </p:nvGrpSpPr>
-      <p:grpSpPr>
-        <a:xfrm>
-          <a:off x="0" y="0"/>
-          <a:ext cx="0" cy="0"/>
-          <a:chOff x="0" y="0"/>
-          <a:chExt cx="0" cy="0"/>
-        </a:xfrm>
-      </p:grpSpPr>
-      <p:sp>
-        <p:nvSpPr>
-          <p:cNvPr id="2" name="Holder 3"/>
-          <p:cNvSpPr>
-            <a:spLocks noGrp="1"/>
-          </p:cNvSpPr>
-          <p:nvPr>
-            <p:ph sz="half" idx="2"/>
-          </p:nvPr>
-        </p:nvSpPr>
-        <p:spPr>
-          <a:xfrm>
-            <a:off x="609600" y="1577340"/>
-            <a:ext cx="5303520" cy="4526280"/>
-          </a:xfrm>
-        </p:spPr>
-        <p:txBody>
-          <a:bodyPr/>
-          <a:lstStyle/>
-          <a:p>
-            <a:r>
-              <a:rPr/>
-              <a:t>text item #1</a:t>
-            </a:r>
-          </a:p>
-          <a:p>
-            <a:r>
-              <a:rPr/>
-              <a:t>text item #2</a:t>
-            </a:r>
-          </a:p>
-          <a:p>
-            <a:r>
-              <a:rPr/>
-              <a:t>text item #3</a:t>
-            </a:r>
-          </a:p>
-          <a:p>
-            <a:r>
-              <a:rPr/>
-              <a:t>text item #4</a:t>
-            </a:r>
-          </a:p>
-          <a:p>
-            <a:r>
-              <a:rPr/>
-              <a:t>text item #5</a:t>
-            </a:r>
-          </a:p>
-          <a:p>
-            <a:r>
-              <a:rPr/>
-              <a:t>text item #6</a:t>
-            </a:r>
-          </a:p>
-        </p:txBody>
-      </p:sp>
-      <p:sp>
-        <p:nvSpPr>
-          <p:cNvPr id="3" name="Holder 4"/>
-          <p:cNvSpPr>
-            <a:spLocks noGrp="1"/>
-          </p:cNvSpPr>
-          <p:nvPr>
-            <p:ph sz="half" idx="3"/>
-          </p:nvPr>
-        </p:nvSpPr>
-        <p:spPr>
-          <a:xfrm>
-            <a:off x="6278879" y="1577340"/>
-            <a:ext cx="5303520" cy="4526280"/>
-          </a:xfrm>
-        </p:spPr>
-        <p:txBody>
-          <a:bodyPr/>
-          <a:lstStyle/>
-          <a:p>
-            <a:r>
-              <a:rPr/>
-              <a:t>text item #1</a:t>
-            </a:r>
-          </a:p>
-          <a:p>
-            <a:r>
-              <a:rPr/>
-              <a:t>text item #2</a:t>
-            </a:r>
-          </a:p>
-          <a:p>
-            <a:r>
-              <a:rPr/>
-              <a:t>text item #3</a:t>
-            </a:r>
-          </a:p>
-          <a:p>
-            <a:r>
-              <a:rPr/>
-              <a:t>text item #4</a:t>
-            </a:r>
-          </a:p>
-          <a:p>
-            <a:r>
-              <a:rPr/>
-              <a:t>text item #5</a:t>
-            </a:r>
-          </a:p>
-          <a:p>
-            <a:r>
-              <a:rPr/>
-              <a:t>text item #6</a:t>
-            </a:r>
-          </a:p>
-        </p:txBody>
-      </p:sp>
-    </p:spTree>
-  </p:cSld>
-  <p:clrMapOvr>
-    <a:masterClrMapping/>
-  </p:clrMapOvr>
-</p:sld>
-</file>
-
 <file path=ppt/slides/slide2.xml><?xml version="1.0" encoding="utf-8"?>
 <p:sld xmlns:a="http://schemas.openxmlformats.org/drawingml/2006/main" xmlns:r="http://schemas.openxmlformats.org/officeDocument/2006/relationships" xmlns:p="http://schemas.openxmlformats.org/presentationml/2006/main">
   <p:cSld>
@@ -12176,18 +13947,18 @@
       </p:grpSpPr>
       <p:sp>
         <p:nvSpPr>
-          <p:cNvPr id="2" name="Holder 3"/>
+          <p:cNvPr id="2" name="Holder 2"/>
           <p:cNvSpPr>
             <a:spLocks noGrp="1"/>
           </p:cNvSpPr>
           <p:nvPr>
-            <p:ph sz="half" idx="2"/>
+            <p:ph type="title"/>
           </p:nvPr>
         </p:nvSpPr>
         <p:spPr>
           <a:xfrm>
-            <a:off x="609600" y="1577340"/>
-            <a:ext cx="5303520" cy="4526280"/>
+            <a:off x="432306" y="537338"/>
+            <a:ext cx="11327386" cy="635000"/>
           </a:xfrm>
         </p:spPr>
         <p:txBody>
@@ -12195,83 +13966,7 @@
           <a:lstStyle/>
           <a:p>
             <a:r>
-              <a:t>text item #1</a:t>
-            </a:r>
-          </a:p>
-          <a:p>
-            <a:r>
-              <a:t>text item #2</a:t>
-            </a:r>
-          </a:p>
-          <a:p>
-            <a:r>
-              <a:t>text item #3</a:t>
-            </a:r>
-          </a:p>
-          <a:p>
-            <a:r>
-              <a:t>text item #4</a:t>
-            </a:r>
-          </a:p>
-          <a:p>
-            <a:r>
-              <a:t>text item #5</a:t>
-            </a:r>
-          </a:p>
-          <a:p>
-            <a:r>
-              <a:t>text item #6</a:t>
-            </a:r>
-          </a:p>
-        </p:txBody>
-      </p:sp>
-      <p:sp>
-        <p:nvSpPr>
-          <p:cNvPr id="3" name="Holder 4"/>
-          <p:cNvSpPr>
-            <a:spLocks noGrp="1"/>
-          </p:cNvSpPr>
-          <p:nvPr>
-            <p:ph sz="half" idx="3"/>
-          </p:nvPr>
-        </p:nvSpPr>
-        <p:spPr>
-          <a:xfrm>
-            <a:off x="6278879" y="1577340"/>
-            <a:ext cx="5303520" cy="4526280"/>
-          </a:xfrm>
-        </p:spPr>
-        <p:txBody>
-          <a:bodyPr/>
-          <a:lstStyle/>
-          <a:p>
-            <a:r>
-              <a:t>text item #1</a:t>
-            </a:r>
-          </a:p>
-          <a:p>
-            <a:r>
-              <a:t>text item #2</a:t>
-            </a:r>
-          </a:p>
-          <a:p>
-            <a:r>
-              <a:t>text item #3</a:t>
-            </a:r>
-          </a:p>
-          <a:p>
-            <a:r>
-              <a:t>text item #4</a:t>
-            </a:r>
-          </a:p>
-          <a:p>
-            <a:r>
-              <a:t>text item #5</a:t>
-            </a:r>
-          </a:p>
-          <a:p>
-            <a:r>
-              <a:t>text item #6</a:t>
+              <a:t>My first slide</a:t>
             </a:r>
           </a:p>
         </p:txBody>
@@ -12303,18 +13998,18 @@
       </p:grpSpPr>
       <p:sp>
         <p:nvSpPr>
-          <p:cNvPr id="2" name="Holder 3"/>
+          <p:cNvPr id="2" name="Holder 2"/>
           <p:cNvSpPr>
             <a:spLocks noGrp="1"/>
           </p:cNvSpPr>
           <p:nvPr>
-            <p:ph sz="half" idx="2"/>
+            <p:ph type="title"/>
           </p:nvPr>
         </p:nvSpPr>
         <p:spPr>
           <a:xfrm>
-            <a:off x="609600" y="1577340"/>
-            <a:ext cx="5303520" cy="4526280"/>
+            <a:off x="432306" y="537338"/>
+            <a:ext cx="11327386" cy="635000"/>
           </a:xfrm>
         </p:spPr>
         <p:txBody>
@@ -12322,651 +14017,7 @@
           <a:lstStyle/>
           <a:p>
             <a:r>
-              <a:rPr/>
-              <a:t>text item #1</a:t>
-            </a:r>
-          </a:p>
-          <a:p>
-            <a:r>
-              <a:rPr/>
-              <a:t>text item #2</a:t>
-            </a:r>
-          </a:p>
-          <a:p>
-            <a:r>
-              <a:rPr/>
-              <a:t>text item #3</a:t>
-            </a:r>
-          </a:p>
-          <a:p>
-            <a:r>
-              <a:rPr/>
-              <a:t>text item #4</a:t>
-            </a:r>
-          </a:p>
-          <a:p>
-            <a:r>
-              <a:rPr/>
-              <a:t>text item #5</a:t>
-            </a:r>
-          </a:p>
-          <a:p>
-            <a:r>
-              <a:rPr/>
-              <a:t>text item #6</a:t>
-            </a:r>
-          </a:p>
-        </p:txBody>
-      </p:sp>
-      <p:sp>
-        <p:nvSpPr>
-          <p:cNvPr id="3" name="Holder 4"/>
-          <p:cNvSpPr>
-            <a:spLocks noGrp="1"/>
-          </p:cNvSpPr>
-          <p:nvPr>
-            <p:ph sz="half" idx="3"/>
-          </p:nvPr>
-        </p:nvSpPr>
-        <p:spPr>
-          <a:xfrm>
-            <a:off x="6278879" y="1577340"/>
-            <a:ext cx="5303520" cy="4526280"/>
-          </a:xfrm>
-        </p:spPr>
-        <p:txBody>
-          <a:bodyPr/>
-          <a:lstStyle/>
-          <a:p>
-            <a:r>
-              <a:rPr/>
-              <a:t>text item #1</a:t>
-            </a:r>
-          </a:p>
-          <a:p>
-            <a:r>
-              <a:rPr/>
-              <a:t>text item #2</a:t>
-            </a:r>
-          </a:p>
-          <a:p>
-            <a:r>
-              <a:rPr/>
-              <a:t>text item #3</a:t>
-            </a:r>
-          </a:p>
-          <a:p>
-            <a:r>
-              <a:rPr/>
-              <a:t>text item #4</a:t>
-            </a:r>
-          </a:p>
-          <a:p>
-            <a:r>
-              <a:rPr/>
-              <a:t>text item #5</a:t>
-            </a:r>
-          </a:p>
-          <a:p>
-            <a:r>
-              <a:rPr/>
-              <a:t>text item #6</a:t>
-            </a:r>
-          </a:p>
-        </p:txBody>
-      </p:sp>
-    </p:spTree>
-  </p:cSld>
-  <p:clrMapOvr>
-    <a:masterClrMapping/>
-  </p:clrMapOvr>
-</p:sld>
-</file>
-
-<file path=ppt/slides/slide6.xml><?xml version="1.0" encoding="utf-8"?>
-<p:sld xmlns:a="http://schemas.openxmlformats.org/drawingml/2006/main" xmlns:r="http://schemas.openxmlformats.org/officeDocument/2006/relationships" xmlns:p="http://schemas.openxmlformats.org/presentationml/2006/main">
-  <p:cSld>
-    <p:spTree>
-      <p:nvGrpSpPr>
-        <p:cNvPr id="1" name=""/>
-        <p:cNvGrpSpPr/>
-        <p:nvPr/>
-      </p:nvGrpSpPr>
-      <p:grpSpPr>
-        <a:xfrm>
-          <a:off x="0" y="0"/>
-          <a:ext cx="0" cy="0"/>
-          <a:chOff x="0" y="0"/>
-          <a:chExt cx="0" cy="0"/>
-        </a:xfrm>
-      </p:grpSpPr>
-      <p:sp>
-        <p:nvSpPr>
-          <p:cNvPr id="2" name="Holder 3"/>
-          <p:cNvSpPr>
-            <a:spLocks noGrp="1"/>
-          </p:cNvSpPr>
-          <p:nvPr>
-            <p:ph sz="half" idx="2"/>
-          </p:nvPr>
-        </p:nvSpPr>
-        <p:spPr>
-          <a:xfrm>
-            <a:off x="609600" y="1577340"/>
-            <a:ext cx="5303520" cy="4526280"/>
-          </a:xfrm>
-        </p:spPr>
-        <p:txBody>
-          <a:bodyPr/>
-          <a:lstStyle/>
-          <a:p>
-            <a:r>
-              <a:rPr/>
-              <a:t>text item #1</a:t>
-            </a:r>
-          </a:p>
-          <a:p>
-            <a:r>
-              <a:rPr/>
-              <a:t>text item #2</a:t>
-            </a:r>
-          </a:p>
-          <a:p>
-            <a:r>
-              <a:rPr/>
-              <a:t>text item #3</a:t>
-            </a:r>
-          </a:p>
-          <a:p>
-            <a:r>
-              <a:rPr/>
-              <a:t>text item #4</a:t>
-            </a:r>
-          </a:p>
-          <a:p>
-            <a:r>
-              <a:rPr/>
-              <a:t>text item #5</a:t>
-            </a:r>
-          </a:p>
-          <a:p>
-            <a:r>
-              <a:rPr/>
-              <a:t>text item #6</a:t>
-            </a:r>
-          </a:p>
-        </p:txBody>
-      </p:sp>
-      <p:sp>
-        <p:nvSpPr>
-          <p:cNvPr id="3" name="Holder 4"/>
-          <p:cNvSpPr>
-            <a:spLocks noGrp="1"/>
-          </p:cNvSpPr>
-          <p:nvPr>
-            <p:ph sz="half" idx="3"/>
-          </p:nvPr>
-        </p:nvSpPr>
-        <p:spPr>
-          <a:xfrm>
-            <a:off x="6278879" y="1577340"/>
-            <a:ext cx="5303520" cy="4526280"/>
-          </a:xfrm>
-        </p:spPr>
-        <p:txBody>
-          <a:bodyPr/>
-          <a:lstStyle/>
-          <a:p>
-            <a:r>
-              <a:rPr/>
-              <a:t>text item #1</a:t>
-            </a:r>
-          </a:p>
-          <a:p>
-            <a:r>
-              <a:rPr/>
-              <a:t>text item #2</a:t>
-            </a:r>
-          </a:p>
-          <a:p>
-            <a:r>
-              <a:rPr/>
-              <a:t>text item #3</a:t>
-            </a:r>
-          </a:p>
-          <a:p>
-            <a:r>
-              <a:rPr/>
-              <a:t>text item #4</a:t>
-            </a:r>
-          </a:p>
-          <a:p>
-            <a:r>
-              <a:rPr/>
-              <a:t>text item #5</a:t>
-            </a:r>
-          </a:p>
-          <a:p>
-            <a:r>
-              <a:rPr/>
-              <a:t>text item #6</a:t>
-            </a:r>
-          </a:p>
-        </p:txBody>
-      </p:sp>
-    </p:spTree>
-  </p:cSld>
-  <p:clrMapOvr>
-    <a:masterClrMapping/>
-  </p:clrMapOvr>
-</p:sld>
-</file>
-
-<file path=ppt/slides/slide7.xml><?xml version="1.0" encoding="utf-8"?>
-<p:sld xmlns:a="http://schemas.openxmlformats.org/drawingml/2006/main" xmlns:r="http://schemas.openxmlformats.org/officeDocument/2006/relationships" xmlns:p="http://schemas.openxmlformats.org/presentationml/2006/main">
-  <p:cSld>
-    <p:spTree>
-      <p:nvGrpSpPr>
-        <p:cNvPr id="1" name=""/>
-        <p:cNvGrpSpPr/>
-        <p:nvPr/>
-      </p:nvGrpSpPr>
-      <p:grpSpPr>
-        <a:xfrm>
-          <a:off x="0" y="0"/>
-          <a:ext cx="0" cy="0"/>
-          <a:chOff x="0" y="0"/>
-          <a:chExt cx="0" cy="0"/>
-        </a:xfrm>
-      </p:grpSpPr>
-      <p:sp>
-        <p:nvSpPr>
-          <p:cNvPr id="2" name="Holder 3"/>
-          <p:cNvSpPr>
-            <a:spLocks noGrp="1"/>
-          </p:cNvSpPr>
-          <p:nvPr>
-            <p:ph sz="half" idx="2"/>
-          </p:nvPr>
-        </p:nvSpPr>
-        <p:spPr>
-          <a:xfrm>
-            <a:off x="609600" y="1577340"/>
-            <a:ext cx="5303520" cy="4526280"/>
-          </a:xfrm>
-        </p:spPr>
-        <p:txBody>
-          <a:bodyPr/>
-          <a:lstStyle/>
-          <a:p>
-            <a:r>
-              <a:rPr/>
-              <a:t>text item #1</a:t>
-            </a:r>
-          </a:p>
-          <a:p>
-            <a:r>
-              <a:rPr/>
-              <a:t>text item #2</a:t>
-            </a:r>
-          </a:p>
-          <a:p>
-            <a:r>
-              <a:rPr/>
-              <a:t>text item #3</a:t>
-            </a:r>
-          </a:p>
-          <a:p>
-            <a:r>
-              <a:rPr/>
-              <a:t>text item #4</a:t>
-            </a:r>
-          </a:p>
-          <a:p>
-            <a:r>
-              <a:rPr/>
-              <a:t>text item #5</a:t>
-            </a:r>
-          </a:p>
-          <a:p>
-            <a:r>
-              <a:rPr/>
-              <a:t>text item #6</a:t>
-            </a:r>
-          </a:p>
-        </p:txBody>
-      </p:sp>
-      <p:sp>
-        <p:nvSpPr>
-          <p:cNvPr id="3" name="Holder 4"/>
-          <p:cNvSpPr>
-            <a:spLocks noGrp="1"/>
-          </p:cNvSpPr>
-          <p:nvPr>
-            <p:ph sz="half" idx="3"/>
-          </p:nvPr>
-        </p:nvSpPr>
-        <p:spPr>
-          <a:xfrm>
-            <a:off x="6278879" y="1577340"/>
-            <a:ext cx="5303520" cy="4526280"/>
-          </a:xfrm>
-        </p:spPr>
-        <p:txBody>
-          <a:bodyPr/>
-          <a:lstStyle/>
-          <a:p>
-            <a:r>
-              <a:rPr/>
-              <a:t>text item #1</a:t>
-            </a:r>
-          </a:p>
-          <a:p>
-            <a:r>
-              <a:rPr/>
-              <a:t>text item #2</a:t>
-            </a:r>
-          </a:p>
-          <a:p>
-            <a:r>
-              <a:rPr/>
-              <a:t>text item #3</a:t>
-            </a:r>
-          </a:p>
-          <a:p>
-            <a:r>
-              <a:rPr/>
-              <a:t>text item #4</a:t>
-            </a:r>
-          </a:p>
-          <a:p>
-            <a:r>
-              <a:rPr/>
-              <a:t>text item #5</a:t>
-            </a:r>
-          </a:p>
-          <a:p>
-            <a:r>
-              <a:rPr/>
-              <a:t>text item #6</a:t>
-            </a:r>
-          </a:p>
-        </p:txBody>
-      </p:sp>
-    </p:spTree>
-  </p:cSld>
-  <p:clrMapOvr>
-    <a:masterClrMapping/>
-  </p:clrMapOvr>
-</p:sld>
-</file>
-
-<file path=ppt/slides/slide8.xml><?xml version="1.0" encoding="utf-8"?>
-<p:sld xmlns:a="http://schemas.openxmlformats.org/drawingml/2006/main" xmlns:r="http://schemas.openxmlformats.org/officeDocument/2006/relationships" xmlns:p="http://schemas.openxmlformats.org/presentationml/2006/main">
-  <p:cSld>
-    <p:spTree>
-      <p:nvGrpSpPr>
-        <p:cNvPr id="1" name=""/>
-        <p:cNvGrpSpPr/>
-        <p:nvPr/>
-      </p:nvGrpSpPr>
-      <p:grpSpPr>
-        <a:xfrm>
-          <a:off x="0" y="0"/>
-          <a:ext cx="0" cy="0"/>
-          <a:chOff x="0" y="0"/>
-          <a:chExt cx="0" cy="0"/>
-        </a:xfrm>
-      </p:grpSpPr>
-      <p:sp>
-        <p:nvSpPr>
-          <p:cNvPr id="2" name="Holder 3"/>
-          <p:cNvSpPr>
-            <a:spLocks noGrp="1"/>
-          </p:cNvSpPr>
-          <p:nvPr>
-            <p:ph sz="half" idx="2"/>
-          </p:nvPr>
-        </p:nvSpPr>
-        <p:spPr>
-          <a:xfrm>
-            <a:off x="609600" y="1577340"/>
-            <a:ext cx="5303520" cy="4526280"/>
-          </a:xfrm>
-        </p:spPr>
-        <p:txBody>
-          <a:bodyPr/>
-          <a:lstStyle/>
-          <a:p>
-            <a:r>
-              <a:rPr/>
-              <a:t>text item #1</a:t>
-            </a:r>
-          </a:p>
-          <a:p>
-            <a:r>
-              <a:rPr/>
-              <a:t>text item #2</a:t>
-            </a:r>
-          </a:p>
-          <a:p>
-            <a:r>
-              <a:rPr/>
-              <a:t>text item #3</a:t>
-            </a:r>
-          </a:p>
-          <a:p>
-            <a:r>
-              <a:rPr/>
-              <a:t>text item #4</a:t>
-            </a:r>
-          </a:p>
-          <a:p>
-            <a:r>
-              <a:rPr/>
-              <a:t>text item #5</a:t>
-            </a:r>
-          </a:p>
-          <a:p>
-            <a:r>
-              <a:rPr/>
-              <a:t>text item #6</a:t>
-            </a:r>
-          </a:p>
-        </p:txBody>
-      </p:sp>
-      <p:sp>
-        <p:nvSpPr>
-          <p:cNvPr id="3" name="Holder 4"/>
-          <p:cNvSpPr>
-            <a:spLocks noGrp="1"/>
-          </p:cNvSpPr>
-          <p:nvPr>
-            <p:ph sz="half" idx="3"/>
-          </p:nvPr>
-        </p:nvSpPr>
-        <p:spPr>
-          <a:xfrm>
-            <a:off x="6278879" y="1577340"/>
-            <a:ext cx="5303520" cy="4526280"/>
-          </a:xfrm>
-        </p:spPr>
-        <p:txBody>
-          <a:bodyPr/>
-          <a:lstStyle/>
-          <a:p>
-            <a:r>
-              <a:rPr/>
-              <a:t>text item #1</a:t>
-            </a:r>
-          </a:p>
-          <a:p>
-            <a:r>
-              <a:rPr/>
-              <a:t>text item #2</a:t>
-            </a:r>
-          </a:p>
-          <a:p>
-            <a:r>
-              <a:rPr/>
-              <a:t>text item #3</a:t>
-            </a:r>
-          </a:p>
-          <a:p>
-            <a:r>
-              <a:rPr/>
-              <a:t>text item #4</a:t>
-            </a:r>
-          </a:p>
-          <a:p>
-            <a:r>
-              <a:rPr/>
-              <a:t>text item #5</a:t>
-            </a:r>
-          </a:p>
-          <a:p>
-            <a:r>
-              <a:rPr/>
-              <a:t>text item #6</a:t>
-            </a:r>
-          </a:p>
-        </p:txBody>
-      </p:sp>
-    </p:spTree>
-  </p:cSld>
-  <p:clrMapOvr>
-    <a:masterClrMapping/>
-  </p:clrMapOvr>
-</p:sld>
-</file>
-
-<file path=ppt/slides/slide9.xml><?xml version="1.0" encoding="utf-8"?>
-<p:sld xmlns:a="http://schemas.openxmlformats.org/drawingml/2006/main" xmlns:r="http://schemas.openxmlformats.org/officeDocument/2006/relationships" xmlns:p="http://schemas.openxmlformats.org/presentationml/2006/main">
-  <p:cSld>
-    <p:spTree>
-      <p:nvGrpSpPr>
-        <p:cNvPr id="1" name=""/>
-        <p:cNvGrpSpPr/>
-        <p:nvPr/>
-      </p:nvGrpSpPr>
-      <p:grpSpPr>
-        <a:xfrm>
-          <a:off x="0" y="0"/>
-          <a:ext cx="0" cy="0"/>
-          <a:chOff x="0" y="0"/>
-          <a:chExt cx="0" cy="0"/>
-        </a:xfrm>
-      </p:grpSpPr>
-      <p:sp>
-        <p:nvSpPr>
-          <p:cNvPr id="2" name="Holder 3"/>
-          <p:cNvSpPr>
-            <a:spLocks noGrp="1"/>
-          </p:cNvSpPr>
-          <p:nvPr>
-            <p:ph sz="half" idx="2"/>
-          </p:nvPr>
-        </p:nvSpPr>
-        <p:spPr>
-          <a:xfrm>
-            <a:off x="609600" y="1577340"/>
-            <a:ext cx="5303520" cy="4526280"/>
-          </a:xfrm>
-        </p:spPr>
-        <p:txBody>
-          <a:bodyPr/>
-          <a:lstStyle/>
-          <a:p>
-            <a:r>
-              <a:rPr/>
-              <a:t>text item #1</a:t>
-            </a:r>
-          </a:p>
-          <a:p>
-            <a:r>
-              <a:rPr/>
-              <a:t>text item #2</a:t>
-            </a:r>
-          </a:p>
-          <a:p>
-            <a:r>
-              <a:rPr/>
-              <a:t>text item #3</a:t>
-            </a:r>
-          </a:p>
-          <a:p>
-            <a:r>
-              <a:rPr/>
-              <a:t>text item #4</a:t>
-            </a:r>
-          </a:p>
-          <a:p>
-            <a:r>
-              <a:rPr/>
-              <a:t>text item #5</a:t>
-            </a:r>
-          </a:p>
-          <a:p>
-            <a:r>
-              <a:rPr/>
-              <a:t>text item #6</a:t>
-            </a:r>
-          </a:p>
-        </p:txBody>
-      </p:sp>
-      <p:sp>
-        <p:nvSpPr>
-          <p:cNvPr id="3" name="Holder 4"/>
-          <p:cNvSpPr>
-            <a:spLocks noGrp="1"/>
-          </p:cNvSpPr>
-          <p:nvPr>
-            <p:ph sz="half" idx="3"/>
-          </p:nvPr>
-        </p:nvSpPr>
-        <p:spPr>
-          <a:xfrm>
-            <a:off x="6278879" y="1577340"/>
-            <a:ext cx="5303520" cy="4526280"/>
-          </a:xfrm>
-        </p:spPr>
-        <p:txBody>
-          <a:bodyPr/>
-          <a:lstStyle/>
-          <a:p>
-            <a:r>
-              <a:rPr/>
-              <a:t>text item #1</a:t>
-            </a:r>
-          </a:p>
-          <a:p>
-            <a:r>
-              <a:rPr/>
-              <a:t>text item #2</a:t>
-            </a:r>
-          </a:p>
-          <a:p>
-            <a:r>
-              <a:rPr/>
-              <a:t>text item #3</a:t>
-            </a:r>
-          </a:p>
-          <a:p>
-            <a:r>
-              <a:rPr/>
-              <a:t>text item #4</a:t>
-            </a:r>
-          </a:p>
-          <a:p>
-            <a:r>
-              <a:rPr/>
-              <a:t>text item #5</a:t>
-            </a:r>
-          </a:p>
-          <a:p>
-            <a:r>
-              <a:rPr/>
-              <a:t>text item #6</a:t>
+              <a:t>My first slide</a:t>
             </a:r>
           </a:p>
         </p:txBody>
@@ -13521,4 +14572,299 @@
     </a:ext>
   </a:extLst>
 </a:theme>
+</file>
+
+<file path=ppt/theme/theme3.xml><?xml version="1.0" encoding="utf-8"?>
+<a:theme xmlns:a="http://schemas.openxmlformats.org/drawingml/2006/main" name="Motív Office">
+  <a:themeElements>
+    <a:clrScheme name="Office">
+      <a:dk1>
+        <a:sysClr val="windowText" lastClr="000000"/>
+      </a:dk1>
+      <a:lt1>
+        <a:sysClr val="window" lastClr="FFFFFF"/>
+      </a:lt1>
+      <a:dk2>
+        <a:srgbClr val="44546A"/>
+      </a:dk2>
+      <a:lt2>
+        <a:srgbClr val="E7E6E6"/>
+      </a:lt2>
+      <a:accent1>
+        <a:srgbClr val="4472C4"/>
+      </a:accent1>
+      <a:accent2>
+        <a:srgbClr val="ED7D31"/>
+      </a:accent2>
+      <a:accent3>
+        <a:srgbClr val="A5A5A5"/>
+      </a:accent3>
+      <a:accent4>
+        <a:srgbClr val="FFC000"/>
+      </a:accent4>
+      <a:accent5>
+        <a:srgbClr val="5B9BD5"/>
+      </a:accent5>
+      <a:accent6>
+        <a:srgbClr val="70AD47"/>
+      </a:accent6>
+      <a:hlink>
+        <a:srgbClr val="0563C1"/>
+      </a:hlink>
+      <a:folHlink>
+        <a:srgbClr val="954F72"/>
+      </a:folHlink>
+    </a:clrScheme>
+    <a:fontScheme name="Office">
+      <a:majorFont>
+        <a:latin typeface="Calibri Light" panose="020F0302020204030204"/>
+        <a:ea typeface=""/>
+        <a:cs typeface=""/>
+        <a:font script="Jpan" typeface="游ゴシック Light"/>
+        <a:font script="Hang" typeface="맑은 고딕"/>
+        <a:font script="Hans" typeface="等线 Light"/>
+        <a:font script="Hant" typeface="新細明體"/>
+        <a:font script="Arab" typeface="Times New Roman"/>
+        <a:font script="Hebr" typeface="Times New Roman"/>
+        <a:font script="Thai" typeface="Angsana New"/>
+        <a:font script="Ethi" typeface="Nyala"/>
+        <a:font script="Beng" typeface="Vrinda"/>
+        <a:font script="Gujr" typeface="Shruti"/>
+        <a:font script="Khmr" typeface="MoolBoran"/>
+        <a:font script="Knda" typeface="Tunga"/>
+        <a:font script="Guru" typeface="Raavi"/>
+        <a:font script="Cans" typeface="Euphemia"/>
+        <a:font script="Cher" typeface="Plantagenet Cherokee"/>
+        <a:font script="Yiii" typeface="Microsoft Yi Baiti"/>
+        <a:font script="Tibt" typeface="Microsoft Himalaya"/>
+        <a:font script="Thaa" typeface="MV Boli"/>
+        <a:font script="Deva" typeface="Mangal"/>
+        <a:font script="Telu" typeface="Gautami"/>
+        <a:font script="Taml" typeface="Latha"/>
+        <a:font script="Syrc" typeface="Estrangelo Edessa"/>
+        <a:font script="Orya" typeface="Kalinga"/>
+        <a:font script="Mlym" typeface="Kartika"/>
+        <a:font script="Laoo" typeface="DokChampa"/>
+        <a:font script="Sinh" typeface="Iskoola Pota"/>
+        <a:font script="Mong" typeface="Mongolian Baiti"/>
+        <a:font script="Viet" typeface="Times New Roman"/>
+        <a:font script="Uigh" typeface="Microsoft Uighur"/>
+        <a:font script="Geor" typeface="Sylfaen"/>
+        <a:font script="Armn" typeface="Arial"/>
+        <a:font script="Bugi" typeface="Leelawadee UI"/>
+        <a:font script="Bopo" typeface="Microsoft JhengHei"/>
+        <a:font script="Java" typeface="Javanese Text"/>
+        <a:font script="Lisu" typeface="Segoe UI"/>
+        <a:font script="Mymr" typeface="Myanmar Text"/>
+        <a:font script="Nkoo" typeface="Ebrima"/>
+        <a:font script="Olck" typeface="Nirmala UI"/>
+        <a:font script="Osma" typeface="Ebrima"/>
+        <a:font script="Phag" typeface="Phagspa"/>
+        <a:font script="Syrn" typeface="Estrangelo Edessa"/>
+        <a:font script="Syrj" typeface="Estrangelo Edessa"/>
+        <a:font script="Syre" typeface="Estrangelo Edessa"/>
+        <a:font script="Sora" typeface="Nirmala UI"/>
+        <a:font script="Tale" typeface="Microsoft Tai Le"/>
+        <a:font script="Talu" typeface="Microsoft New Tai Lue"/>
+        <a:font script="Tfng" typeface="Ebrima"/>
+      </a:majorFont>
+      <a:minorFont>
+        <a:latin typeface="Calibri" panose="020F0502020204030204"/>
+        <a:ea typeface=""/>
+        <a:cs typeface=""/>
+        <a:font script="Jpan" typeface="游ゴシック"/>
+        <a:font script="Hang" typeface="맑은 고딕"/>
+        <a:font script="Hans" typeface="等线"/>
+        <a:font script="Hant" typeface="新細明體"/>
+        <a:font script="Arab" typeface="Arial"/>
+        <a:font script="Hebr" typeface="Arial"/>
+        <a:font script="Thai" typeface="Cordia New"/>
+        <a:font script="Ethi" typeface="Nyala"/>
+        <a:font script="Beng" typeface="Vrinda"/>
+        <a:font script="Gujr" typeface="Shruti"/>
+        <a:font script="Khmr" typeface="DaunPenh"/>
+        <a:font script="Knda" typeface="Tunga"/>
+        <a:font script="Guru" typeface="Raavi"/>
+        <a:font script="Cans" typeface="Euphemia"/>
+        <a:font script="Cher" typeface="Plantagenet Cherokee"/>
+        <a:font script="Yiii" typeface="Microsoft Yi Baiti"/>
+        <a:font script="Tibt" typeface="Microsoft Himalaya"/>
+        <a:font script="Thaa" typeface="MV Boli"/>
+        <a:font script="Deva" typeface="Mangal"/>
+        <a:font script="Telu" typeface="Gautami"/>
+        <a:font script="Taml" typeface="Latha"/>
+        <a:font script="Syrc" typeface="Estrangelo Edessa"/>
+        <a:font script="Orya" typeface="Kalinga"/>
+        <a:font script="Mlym" typeface="Kartika"/>
+        <a:font script="Laoo" typeface="DokChampa"/>
+        <a:font script="Sinh" typeface="Iskoola Pota"/>
+        <a:font script="Mong" typeface="Mongolian Baiti"/>
+        <a:font script="Viet" typeface="Arial"/>
+        <a:font script="Uigh" typeface="Microsoft Uighur"/>
+        <a:font script="Geor" typeface="Sylfaen"/>
+        <a:font script="Armn" typeface="Arial"/>
+        <a:font script="Bugi" typeface="Leelawadee UI"/>
+        <a:font script="Bopo" typeface="Microsoft JhengHei"/>
+        <a:font script="Java" typeface="Javanese Text"/>
+        <a:font script="Lisu" typeface="Segoe UI"/>
+        <a:font script="Mymr" typeface="Myanmar Text"/>
+        <a:font script="Nkoo" typeface="Ebrima"/>
+        <a:font script="Olck" typeface="Nirmala UI"/>
+        <a:font script="Osma" typeface="Ebrima"/>
+        <a:font script="Phag" typeface="Phagspa"/>
+        <a:font script="Syrn" typeface="Estrangelo Edessa"/>
+        <a:font script="Syrj" typeface="Estrangelo Edessa"/>
+        <a:font script="Syre" typeface="Estrangelo Edessa"/>
+        <a:font script="Sora" typeface="Nirmala UI"/>
+        <a:font script="Tale" typeface="Microsoft Tai Le"/>
+        <a:font script="Talu" typeface="Microsoft New Tai Lue"/>
+        <a:font script="Tfng" typeface="Ebrima"/>
+      </a:minorFont>
+    </a:fontScheme>
+    <a:fmtScheme name="Office">
+      <a:fillStyleLst>
+        <a:solidFill>
+          <a:schemeClr val="phClr"/>
+        </a:solidFill>
+        <a:gradFill rotWithShape="1">
+          <a:gsLst>
+            <a:gs pos="0">
+              <a:schemeClr val="phClr">
+                <a:lumMod val="110000"/>
+                <a:satMod val="105000"/>
+                <a:tint val="67000"/>
+              </a:schemeClr>
+            </a:gs>
+            <a:gs pos="50000">
+              <a:schemeClr val="phClr">
+                <a:lumMod val="105000"/>
+                <a:satMod val="103000"/>
+                <a:tint val="73000"/>
+              </a:schemeClr>
+            </a:gs>
+            <a:gs pos="100000">
+              <a:schemeClr val="phClr">
+                <a:lumMod val="105000"/>
+                <a:satMod val="109000"/>
+                <a:tint val="81000"/>
+              </a:schemeClr>
+            </a:gs>
+          </a:gsLst>
+          <a:lin ang="5400000" scaled="0"/>
+        </a:gradFill>
+        <a:gradFill rotWithShape="1">
+          <a:gsLst>
+            <a:gs pos="0">
+              <a:schemeClr val="phClr">
+                <a:satMod val="103000"/>
+                <a:lumMod val="102000"/>
+                <a:tint val="94000"/>
+              </a:schemeClr>
+            </a:gs>
+            <a:gs pos="50000">
+              <a:schemeClr val="phClr">
+                <a:satMod val="110000"/>
+                <a:lumMod val="100000"/>
+                <a:shade val="100000"/>
+              </a:schemeClr>
+            </a:gs>
+            <a:gs pos="100000">
+              <a:schemeClr val="phClr">
+                <a:lumMod val="99000"/>
+                <a:satMod val="120000"/>
+                <a:shade val="78000"/>
+              </a:schemeClr>
+            </a:gs>
+          </a:gsLst>
+          <a:lin ang="5400000" scaled="0"/>
+        </a:gradFill>
+      </a:fillStyleLst>
+      <a:lnStyleLst>
+        <a:ln w="6350" cap="flat" cmpd="sng" algn="ctr">
+          <a:solidFill>
+            <a:schemeClr val="phClr"/>
+          </a:solidFill>
+          <a:prstDash val="solid"/>
+          <a:miter lim="800000"/>
+        </a:ln>
+        <a:ln w="12700" cap="flat" cmpd="sng" algn="ctr">
+          <a:solidFill>
+            <a:schemeClr val="phClr"/>
+          </a:solidFill>
+          <a:prstDash val="solid"/>
+          <a:miter lim="800000"/>
+        </a:ln>
+        <a:ln w="19050" cap="flat" cmpd="sng" algn="ctr">
+          <a:solidFill>
+            <a:schemeClr val="phClr"/>
+          </a:solidFill>
+          <a:prstDash val="solid"/>
+          <a:miter lim="800000"/>
+        </a:ln>
+      </a:lnStyleLst>
+      <a:effectStyleLst>
+        <a:effectStyle>
+          <a:effectLst/>
+        </a:effectStyle>
+        <a:effectStyle>
+          <a:effectLst/>
+        </a:effectStyle>
+        <a:effectStyle>
+          <a:effectLst>
+            <a:outerShdw blurRad="57150" dist="19050" dir="5400000" algn="ctr" rotWithShape="0">
+              <a:srgbClr val="000000">
+                <a:alpha val="63000"/>
+              </a:srgbClr>
+            </a:outerShdw>
+          </a:effectLst>
+        </a:effectStyle>
+      </a:effectStyleLst>
+      <a:bgFillStyleLst>
+        <a:solidFill>
+          <a:schemeClr val="phClr"/>
+        </a:solidFill>
+        <a:solidFill>
+          <a:schemeClr val="phClr">
+            <a:tint val="95000"/>
+            <a:satMod val="170000"/>
+          </a:schemeClr>
+        </a:solidFill>
+        <a:gradFill rotWithShape="1">
+          <a:gsLst>
+            <a:gs pos="0">
+              <a:schemeClr val="phClr">
+                <a:tint val="93000"/>
+                <a:satMod val="150000"/>
+                <a:shade val="98000"/>
+                <a:lumMod val="102000"/>
+              </a:schemeClr>
+            </a:gs>
+            <a:gs pos="50000">
+              <a:schemeClr val="phClr">
+                <a:tint val="98000"/>
+                <a:satMod val="130000"/>
+                <a:shade val="90000"/>
+                <a:lumMod val="103000"/>
+              </a:schemeClr>
+            </a:gs>
+            <a:gs pos="100000">
+              <a:schemeClr val="phClr">
+                <a:shade val="63000"/>
+                <a:satMod val="120000"/>
+              </a:schemeClr>
+            </a:gs>
+          </a:gsLst>
+          <a:lin ang="5400000" scaled="0"/>
+        </a:gradFill>
+      </a:bgFillStyleLst>
+    </a:fmtScheme>
+  </a:themeElements>
+  <a:objectDefaults/>
+  <a:extraClrSchemeLst/>
+  <a:extLst>
+    <a:ext uri="{05A4C25C-085E-4340-85A3-A5531E510DB2}">
+      <thm15:themeFamily xmlns:thm15="http://schemas.microsoft.com/office/thememl/2012/main" name="Office Theme" id="{62F939B6-93AF-4DB8-9C6B-D6C7DFDC589F}" vid="{4A3C46E8-61CC-4603-A589-7422A47A8E4A}"/>
+    </a:ext>
+  </a:extLst>
+</a:theme>
 </file>